--- a/ClasseC#.pptx
+++ b/ClasseC#.pptx
@@ -5,13 +5,18 @@
     <p:sldMasterId id="2147483648" r:id="rId1"/>
   </p:sldMasterIdLst>
   <p:notesMasterIdLst>
-    <p:notesMasterId r:id="rId6"/>
+    <p:notesMasterId r:id="rId11"/>
   </p:notesMasterIdLst>
   <p:sldIdLst>
     <p:sldId id="256" r:id="rId2"/>
     <p:sldId id="257" r:id="rId3"/>
     <p:sldId id="258" r:id="rId4"/>
     <p:sldId id="260" r:id="rId5"/>
+    <p:sldId id="261" r:id="rId6"/>
+    <p:sldId id="262" r:id="rId7"/>
+    <p:sldId id="263" r:id="rId8"/>
+    <p:sldId id="264" r:id="rId9"/>
+    <p:sldId id="265" r:id="rId10"/>
   </p:sldIdLst>
   <p:sldSz cx="12192000" cy="6858000"/>
   <p:notesSz cx="6858000" cy="9144000"/>
@@ -110,6 +115,11 @@
       </a:defRPr>
     </a:lvl9pPr>
   </p:defaultTextStyle>
+  <p:extLst>
+    <p:ext uri="{EFAFB233-063F-42B5-8137-9DF3F51BA10A}">
+      <p15:sldGuideLst xmlns:p15="http://schemas.microsoft.com/office/powerpoint/2012/main"/>
+    </p:ext>
+  </p:extLst>
 </p:presentation>
 </file>
 
@@ -195,7 +205,7 @@
           <a:p>
             <a:fld id="{34F0CEED-F348-4186-A846-CE101DEC4B97}" type="datetimeFigureOut">
               <a:rPr lang="fr-FR" smtClean="0"/>
-              <a:t>21/01/2019</a:t>
+              <a:t>04/02/2019</a:t>
             </a:fld>
             <a:endParaRPr lang="fr-FR"/>
           </a:p>
@@ -609,7 +619,7 @@
           <a:p>
             <a:fld id="{72314DF7-7553-466E-B859-4F9C1D9A9B8F}" type="datetime1">
               <a:rPr lang="fr-FR" smtClean="0"/>
-              <a:t>21/01/2019</a:t>
+              <a:t>04/02/2019</a:t>
             </a:fld>
             <a:endParaRPr lang="fr-FR"/>
           </a:p>
@@ -810,7 +820,7 @@
           <a:p>
             <a:fld id="{269D5B8D-B445-48D1-8F20-1F048D987637}" type="datetime1">
               <a:rPr lang="fr-FR" smtClean="0"/>
-              <a:t>21/01/2019</a:t>
+              <a:t>04/02/2019</a:t>
             </a:fld>
             <a:endParaRPr lang="fr-FR"/>
           </a:p>
@@ -1021,7 +1031,7 @@
           <a:p>
             <a:fld id="{0517ED16-C07A-415E-96C0-BAEE99F30AEA}" type="datetime1">
               <a:rPr lang="fr-FR" smtClean="0"/>
-              <a:t>21/01/2019</a:t>
+              <a:t>04/02/2019</a:t>
             </a:fld>
             <a:endParaRPr lang="fr-FR"/>
           </a:p>
@@ -1222,7 +1232,7 @@
           <a:p>
             <a:fld id="{4DE1A232-7BBF-45E7-9248-C0E978512807}" type="datetime1">
               <a:rPr lang="fr-FR" smtClean="0"/>
-              <a:t>21/01/2019</a:t>
+              <a:t>04/02/2019</a:t>
             </a:fld>
             <a:endParaRPr lang="fr-FR"/>
           </a:p>
@@ -1500,7 +1510,7 @@
           <a:p>
             <a:fld id="{EB886147-8AE6-4BFC-84E9-0FE5C2E103A7}" type="datetime1">
               <a:rPr lang="fr-FR" smtClean="0"/>
-              <a:t>21/01/2019</a:t>
+              <a:t>04/02/2019</a:t>
             </a:fld>
             <a:endParaRPr lang="fr-FR"/>
           </a:p>
@@ -1768,7 +1778,7 @@
           <a:p>
             <a:fld id="{4051A1D5-3000-49E4-8E60-E2AE15318AD4}" type="datetime1">
               <a:rPr lang="fr-FR" smtClean="0"/>
-              <a:t>21/01/2019</a:t>
+              <a:t>04/02/2019</a:t>
             </a:fld>
             <a:endParaRPr lang="fr-FR"/>
           </a:p>
@@ -2183,7 +2193,7 @@
           <a:p>
             <a:fld id="{177DBD6F-5AD8-463A-B699-3138923E7C07}" type="datetime1">
               <a:rPr lang="fr-FR" smtClean="0"/>
-              <a:t>21/01/2019</a:t>
+              <a:t>04/02/2019</a:t>
             </a:fld>
             <a:endParaRPr lang="fr-FR"/>
           </a:p>
@@ -2327,7 +2337,7 @@
           <a:p>
             <a:fld id="{D95AF130-8D25-4A27-89B7-16138A10AE49}" type="datetime1">
               <a:rPr lang="fr-FR" smtClean="0"/>
-              <a:t>21/01/2019</a:t>
+              <a:t>04/02/2019</a:t>
             </a:fld>
             <a:endParaRPr lang="fr-FR"/>
           </a:p>
@@ -2443,7 +2453,7 @@
           <a:p>
             <a:fld id="{02122D6D-8FC6-4866-B59F-F95A83817024}" type="datetime1">
               <a:rPr lang="fr-FR" smtClean="0"/>
-              <a:t>21/01/2019</a:t>
+              <a:t>04/02/2019</a:t>
             </a:fld>
             <a:endParaRPr lang="fr-FR"/>
           </a:p>
@@ -2757,7 +2767,7 @@
           <a:p>
             <a:fld id="{B74071B4-0A88-439F-9FBA-4D386657E269}" type="datetime1">
               <a:rPr lang="fr-FR" smtClean="0"/>
-              <a:t>21/01/2019</a:t>
+              <a:t>04/02/2019</a:t>
             </a:fld>
             <a:endParaRPr lang="fr-FR"/>
           </a:p>
@@ -3048,7 +3058,7 @@
           <a:p>
             <a:fld id="{EADBA20E-1860-497D-B3F7-75951EFF56BD}" type="datetime1">
               <a:rPr lang="fr-FR" smtClean="0"/>
-              <a:t>21/01/2019</a:t>
+              <a:t>04/02/2019</a:t>
             </a:fld>
             <a:endParaRPr lang="fr-FR"/>
           </a:p>
@@ -3292,7 +3302,7 @@
           <a:p>
             <a:fld id="{8959FE70-19E9-4614-A7F1-9C75B1707510}" type="datetime1">
               <a:rPr lang="fr-FR" smtClean="0"/>
-              <a:t>21/01/2019</a:t>
+              <a:t>04/02/2019</a:t>
             </a:fld>
             <a:endParaRPr lang="fr-FR"/>
           </a:p>
@@ -4138,7 +4148,7 @@
         </p:spPr>
         <p:txBody>
           <a:bodyPr>
-            <a:normAutofit lnSpcReduction="10000"/>
+            <a:normAutofit/>
           </a:bodyPr>
           <a:lstStyle/>
           <a:p>
@@ -4169,67 +4179,20 @@
           <a:p>
             <a:r>
               <a:rPr lang="fr-FR" dirty="0"/>
-              <a:t>Meilleur performance et code de qualité, car cela permet de réutiliser des </a:t>
-            </a:r>
-            <a:r>
-              <a:rPr lang="fr-FR" dirty="0" err="1"/>
-              <a:t>algorithms</a:t>
-            </a:r>
+              <a:t>Meilleur performance et code de qualité, car cela permet de réutiliser des algorithmes de process de données sans recopier le code spécifique au type.</a:t>
+            </a:r>
+          </a:p>
+          <a:p>
+            <a:endParaRPr lang="fr-FR" dirty="0"/>
+          </a:p>
+          <a:p>
             <a:r>
               <a:rPr lang="fr-FR" dirty="0"/>
-              <a:t> de process de données sans recopier le code spécifique au type.</a:t>
-            </a:r>
-          </a:p>
-          <a:p>
-            <a:endParaRPr lang="fr-FR" dirty="0"/>
-          </a:p>
-          <a:p>
-            <a:r>
-              <a:rPr lang="fr-FR" dirty="0"/>
-              <a:t>Evite le « boxing et unboxing ».</a:t>
-            </a:r>
-            <a:br>
-              <a:rPr lang="fr-FR" dirty="0"/>
-            </a:br>
-            <a:r>
-              <a:rPr lang="fr-FR" dirty="0"/>
-              <a:t> </a:t>
-            </a:r>
-            <a:r>
-              <a:rPr lang="fr-FR" sz="2400" i="1" dirty="0"/>
-              <a:t>dans le cas de value types (</a:t>
-            </a:r>
-            <a:r>
-              <a:rPr lang="fr-FR" sz="2400" i="1" dirty="0" err="1"/>
-              <a:t>int</a:t>
-            </a:r>
-            <a:r>
-              <a:rPr lang="fr-FR" sz="2400" i="1" dirty="0"/>
-              <a:t>, double, </a:t>
-            </a:r>
-            <a:r>
-              <a:rPr lang="fr-FR" sz="2400" i="1" dirty="0" err="1"/>
-              <a:t>bool</a:t>
-            </a:r>
-            <a:r>
-              <a:rPr lang="fr-FR" sz="2400" i="1" dirty="0"/>
-              <a:t>, char, etc.) il faut qu’il soit « emboité » (ou ‘</a:t>
-            </a:r>
-            <a:r>
-              <a:rPr lang="fr-FR" sz="2400" i="1" dirty="0" err="1"/>
-              <a:t>boxed</a:t>
-            </a:r>
-            <a:r>
-              <a:rPr lang="fr-FR" sz="2400" i="1" dirty="0"/>
-              <a:t>’) dans un objet puis sorti  (‘</a:t>
-            </a:r>
-            <a:r>
-              <a:rPr lang="fr-FR" sz="2400" i="1" dirty="0" err="1"/>
-              <a:t>unboxed</a:t>
-            </a:r>
-            <a:r>
-              <a:rPr lang="fr-FR" sz="2400" i="1" dirty="0"/>
-              <a:t>’) pour être réutilisé plus tard.</a:t>
+              <a:t>Evite le « boxing et unboxing ».  </a:t>
+            </a:r>
+            <a:r>
+              <a:rPr lang="fr-FR" i="1" dirty="0"/>
+              <a:t>Expliqué un peu plus tard.</a:t>
             </a:r>
           </a:p>
           <a:p>
@@ -4342,15 +4305,7 @@
           <a:p>
             <a:r>
               <a:rPr lang="fr-FR" sz="4000" dirty="0"/>
-              <a:t>Complexité : Cela rajoute une nouvelle couche d’abstraction et de niveau de </a:t>
-            </a:r>
-            <a:r>
-              <a:rPr lang="fr-FR" sz="4000" dirty="0" err="1"/>
-              <a:t>paramètrage</a:t>
-            </a:r>
-            <a:r>
-              <a:rPr lang="fr-FR" sz="4000" dirty="0"/>
-              <a:t> en plus de ceux existants. Peut-être utilisé inutilement ou mal compris.</a:t>
+              <a:t>Complexité : Cela rajoute une nouvelle couche d’abstraction et de niveau de paramétrage en plus de ceux existants. Peut-être utilisé inutilement ou mal compris.</a:t>
             </a:r>
           </a:p>
         </p:txBody>
@@ -4359,6 +4314,1407 @@
     <p:extLst>
       <p:ext uri="{BB962C8B-B14F-4D97-AF65-F5344CB8AC3E}">
         <p14:creationId xmlns:p14="http://schemas.microsoft.com/office/powerpoint/2010/main" val="2388213093"/>
+      </p:ext>
+    </p:extLst>
+  </p:cSld>
+  <p:clrMapOvr>
+    <a:masterClrMapping/>
+  </p:clrMapOvr>
+</p:sld>
+</file>
+
+<file path=ppt/slides/slide5.xml><?xml version="1.0" encoding="utf-8"?>
+<p:sld xmlns:a="http://schemas.openxmlformats.org/drawingml/2006/main" xmlns:r="http://schemas.openxmlformats.org/officeDocument/2006/relationships" xmlns:p="http://schemas.openxmlformats.org/presentationml/2006/main">
+  <p:cSld>
+    <p:spTree>
+      <p:nvGrpSpPr>
+        <p:cNvPr id="1" name=""/>
+        <p:cNvGrpSpPr/>
+        <p:nvPr/>
+      </p:nvGrpSpPr>
+      <p:grpSpPr>
+        <a:xfrm>
+          <a:off x="0" y="0"/>
+          <a:ext cx="0" cy="0"/>
+          <a:chOff x="0" y="0"/>
+          <a:chExt cx="0" cy="0"/>
+        </a:xfrm>
+      </p:grpSpPr>
+      <p:sp>
+        <p:nvSpPr>
+          <p:cNvPr id="3" name="Titre 1">
+            <a:extLst>
+              <a:ext uri="{FF2B5EF4-FFF2-40B4-BE49-F238E27FC236}">
+                <a16:creationId xmlns:a16="http://schemas.microsoft.com/office/drawing/2014/main" id="{39D37BDB-4556-4B85-A4E2-130702FF7ABC}"/>
+              </a:ext>
+            </a:extLst>
+          </p:cNvPr>
+          <p:cNvSpPr txBox="1">
+            <a:spLocks/>
+          </p:cNvSpPr>
+          <p:nvPr/>
+        </p:nvSpPr>
+        <p:spPr>
+          <a:xfrm>
+            <a:off x="838200" y="0"/>
+            <a:ext cx="10515600" cy="1325563"/>
+          </a:xfrm>
+          <a:prstGeom prst="rect">
+            <a:avLst/>
+          </a:prstGeom>
+        </p:spPr>
+        <p:txBody>
+          <a:bodyPr>
+            <a:normAutofit/>
+          </a:bodyPr>
+          <a:lstStyle>
+            <a:lvl1pPr algn="l" defTabSz="914400" rtl="0" eaLnBrk="1" latinLnBrk="0" hangingPunct="1">
+              <a:lnSpc>
+                <a:spcPct val="90000"/>
+              </a:lnSpc>
+              <a:spcBef>
+                <a:spcPct val="0"/>
+              </a:spcBef>
+              <a:buNone/>
+              <a:defRPr sz="4400" kern="1200">
+                <a:solidFill>
+                  <a:schemeClr val="tx1"/>
+                </a:solidFill>
+                <a:latin typeface="+mj-lt"/>
+                <a:ea typeface="+mj-ea"/>
+                <a:cs typeface="+mj-cs"/>
+              </a:defRPr>
+            </a:lvl1pPr>
+          </a:lstStyle>
+          <a:p>
+            <a:pPr algn="ctr"/>
+            <a:r>
+              <a:rPr lang="fr-FR" sz="5400" dirty="0"/>
+              <a:t>Les génériques dans les collections</a:t>
+            </a:r>
+          </a:p>
+        </p:txBody>
+      </p:sp>
+      <p:sp>
+        <p:nvSpPr>
+          <p:cNvPr id="4" name="ZoneTexte 3">
+            <a:extLst>
+              <a:ext uri="{FF2B5EF4-FFF2-40B4-BE49-F238E27FC236}">
+                <a16:creationId xmlns:a16="http://schemas.microsoft.com/office/drawing/2014/main" id="{294A21C9-3FD9-4DAB-92A0-1E73159F8785}"/>
+              </a:ext>
+            </a:extLst>
+          </p:cNvPr>
+          <p:cNvSpPr txBox="1"/>
+          <p:nvPr/>
+        </p:nvSpPr>
+        <p:spPr>
+          <a:xfrm>
+            <a:off x="0" y="1071798"/>
+            <a:ext cx="12192000" cy="553998"/>
+          </a:xfrm>
+          <a:prstGeom prst="rect">
+            <a:avLst/>
+          </a:prstGeom>
+          <a:noFill/>
+        </p:spPr>
+        <p:txBody>
+          <a:bodyPr wrap="square" rtlCol="0">
+            <a:spAutoFit/>
+          </a:bodyPr>
+          <a:lstStyle/>
+          <a:p>
+            <a:r>
+              <a:rPr lang="fr-FR" sz="3000" u="sng" dirty="0"/>
+              <a:t>Les collections non génériques :</a:t>
+            </a:r>
+            <a:r>
+              <a:rPr lang="fr-FR" sz="3000" dirty="0"/>
+              <a:t> </a:t>
+            </a:r>
+            <a:r>
+              <a:rPr lang="fr-FR" sz="3000" dirty="0" err="1"/>
+              <a:t>ArrayList</a:t>
+            </a:r>
+            <a:r>
+              <a:rPr lang="fr-FR" sz="3000" dirty="0"/>
+              <a:t>, </a:t>
+            </a:r>
+            <a:r>
+              <a:rPr lang="fr-FR" sz="3000" dirty="0" err="1"/>
+              <a:t>Hashtable</a:t>
+            </a:r>
+            <a:r>
+              <a:rPr lang="fr-FR" sz="3000" dirty="0"/>
+              <a:t>, </a:t>
+            </a:r>
+            <a:r>
+              <a:rPr lang="fr-FR" sz="3000" dirty="0" err="1"/>
+              <a:t>SortedList</a:t>
+            </a:r>
+            <a:r>
+              <a:rPr lang="fr-FR" sz="3000" dirty="0"/>
+              <a:t>, Queue, ...</a:t>
+            </a:r>
+          </a:p>
+        </p:txBody>
+      </p:sp>
+      <p:sp>
+        <p:nvSpPr>
+          <p:cNvPr id="5" name="ZoneTexte 4">
+            <a:extLst>
+              <a:ext uri="{FF2B5EF4-FFF2-40B4-BE49-F238E27FC236}">
+                <a16:creationId xmlns:a16="http://schemas.microsoft.com/office/drawing/2014/main" id="{DE904D52-31BF-4FBA-A43C-E4F163CD11B3}"/>
+              </a:ext>
+            </a:extLst>
+          </p:cNvPr>
+          <p:cNvSpPr txBox="1"/>
+          <p:nvPr/>
+        </p:nvSpPr>
+        <p:spPr>
+          <a:xfrm>
+            <a:off x="1" y="1681931"/>
+            <a:ext cx="12191999" cy="1015663"/>
+          </a:xfrm>
+          <a:prstGeom prst="rect">
+            <a:avLst/>
+          </a:prstGeom>
+          <a:noFill/>
+        </p:spPr>
+        <p:txBody>
+          <a:bodyPr wrap="square" rtlCol="0">
+            <a:spAutoFit/>
+          </a:bodyPr>
+          <a:lstStyle/>
+          <a:p>
+            <a:r>
+              <a:rPr lang="fr-FR" sz="3000" u="sng" dirty="0"/>
+              <a:t>Les collections génériques :</a:t>
+            </a:r>
+            <a:r>
+              <a:rPr lang="fr-FR" sz="3000" dirty="0"/>
+              <a:t> List&lt;T&gt;, </a:t>
+            </a:r>
+            <a:r>
+              <a:rPr lang="fr-FR" sz="3000" dirty="0" err="1"/>
+              <a:t>Dictionary</a:t>
+            </a:r>
+            <a:r>
+              <a:rPr lang="fr-FR" sz="3000" dirty="0"/>
+              <a:t> &lt;T, U&gt;, </a:t>
+            </a:r>
+            <a:r>
+              <a:rPr lang="fr-FR" sz="3000" dirty="0" err="1"/>
+              <a:t>SortedList</a:t>
+            </a:r>
+            <a:r>
+              <a:rPr lang="fr-FR" sz="3000" dirty="0"/>
+              <a:t> &lt;T, U&gt;, Queue &lt;T&gt;, …</a:t>
+            </a:r>
+          </a:p>
+        </p:txBody>
+      </p:sp>
+      <p:sp>
+        <p:nvSpPr>
+          <p:cNvPr id="6" name="ZoneTexte 5">
+            <a:extLst>
+              <a:ext uri="{FF2B5EF4-FFF2-40B4-BE49-F238E27FC236}">
+                <a16:creationId xmlns:a16="http://schemas.microsoft.com/office/drawing/2014/main" id="{5731F6D7-2CE3-47E7-9074-62EF7BC7C4AB}"/>
+              </a:ext>
+            </a:extLst>
+          </p:cNvPr>
+          <p:cNvSpPr txBox="1"/>
+          <p:nvPr/>
+        </p:nvSpPr>
+        <p:spPr>
+          <a:xfrm>
+            <a:off x="320840" y="2823415"/>
+            <a:ext cx="11742821" cy="2462213"/>
+          </a:xfrm>
+          <a:prstGeom prst="rect">
+            <a:avLst/>
+          </a:prstGeom>
+          <a:noFill/>
+        </p:spPr>
+        <p:txBody>
+          <a:bodyPr wrap="square" rtlCol="0">
+            <a:spAutoFit/>
+          </a:bodyPr>
+          <a:lstStyle/>
+          <a:p>
+            <a:r>
+              <a:rPr lang="fr-FR" sz="2800" b="1" dirty="0"/>
+              <a:t> Quelle différence? </a:t>
+            </a:r>
+            <a:br>
+              <a:rPr lang="fr-FR" sz="2800" b="1" dirty="0"/>
+            </a:br>
+            <a:endParaRPr lang="fr-FR" sz="2400" b="1" dirty="0"/>
+          </a:p>
+          <a:p>
+            <a:r>
+              <a:rPr lang="fr-FR" sz="2800" dirty="0"/>
+              <a:t>Pour des collections normales, dans le cas de value types (</a:t>
+            </a:r>
+            <a:r>
+              <a:rPr lang="fr-FR" sz="2800" dirty="0" err="1"/>
+              <a:t>int</a:t>
+            </a:r>
+            <a:r>
+              <a:rPr lang="fr-FR" sz="2800" dirty="0"/>
+              <a:t>, double, </a:t>
+            </a:r>
+            <a:r>
+              <a:rPr lang="fr-FR" sz="2800" dirty="0" err="1"/>
+              <a:t>bool</a:t>
+            </a:r>
+            <a:r>
+              <a:rPr lang="fr-FR" sz="2800" dirty="0"/>
+              <a:t>, char, etc.) il faut qu’ils soient ‘</a:t>
+            </a:r>
+            <a:r>
+              <a:rPr lang="fr-FR" sz="2800" dirty="0" err="1"/>
+              <a:t>boxed</a:t>
+            </a:r>
+            <a:r>
+              <a:rPr lang="fr-FR" sz="2800" dirty="0"/>
+              <a:t>’ dans un objet puis ‘</a:t>
+            </a:r>
+            <a:r>
+              <a:rPr lang="fr-FR" sz="2800" dirty="0" err="1"/>
+              <a:t>unboxed</a:t>
+            </a:r>
+            <a:r>
+              <a:rPr lang="fr-FR" sz="2800" dirty="0"/>
+              <a:t>’ pour être réutilisés plus tard ce qui utilise beaucoup de performance.</a:t>
+            </a:r>
+          </a:p>
+          <a:p>
+            <a:endParaRPr lang="fr-FR" dirty="0"/>
+          </a:p>
+        </p:txBody>
+      </p:sp>
+      <p:sp>
+        <p:nvSpPr>
+          <p:cNvPr id="7" name="ZoneTexte 6">
+            <a:extLst>
+              <a:ext uri="{FF2B5EF4-FFF2-40B4-BE49-F238E27FC236}">
+                <a16:creationId xmlns:a16="http://schemas.microsoft.com/office/drawing/2014/main" id="{B1EDCF3B-EF6B-410F-A473-022C23E0A721}"/>
+              </a:ext>
+            </a:extLst>
+          </p:cNvPr>
+          <p:cNvSpPr txBox="1"/>
+          <p:nvPr/>
+        </p:nvSpPr>
+        <p:spPr>
+          <a:xfrm>
+            <a:off x="320839" y="5371098"/>
+            <a:ext cx="11742821" cy="1384995"/>
+          </a:xfrm>
+          <a:prstGeom prst="rect">
+            <a:avLst/>
+          </a:prstGeom>
+          <a:noFill/>
+        </p:spPr>
+        <p:txBody>
+          <a:bodyPr wrap="square" rtlCol="0">
+            <a:spAutoFit/>
+          </a:bodyPr>
+          <a:lstStyle/>
+          <a:p>
+            <a:r>
+              <a:rPr lang="fr-FR" sz="2800" dirty="0"/>
+              <a:t>Les collections génériques permettent de reporter le moment de spécification du type jusqu’au moment de la création. Et vont ensuite les stocker dans des tableaux  spécifiques au type concerné dont pas besoin de boxing ou de casting.</a:t>
+            </a:r>
+          </a:p>
+        </p:txBody>
+      </p:sp>
+    </p:spTree>
+    <p:extLst>
+      <p:ext uri="{BB962C8B-B14F-4D97-AF65-F5344CB8AC3E}">
+        <p14:creationId xmlns:p14="http://schemas.microsoft.com/office/powerpoint/2010/main" val="4084138498"/>
+      </p:ext>
+    </p:extLst>
+  </p:cSld>
+  <p:clrMapOvr>
+    <a:masterClrMapping/>
+  </p:clrMapOvr>
+</p:sld>
+</file>
+
+<file path=ppt/slides/slide6.xml><?xml version="1.0" encoding="utf-8"?>
+<p:sld xmlns:a="http://schemas.openxmlformats.org/drawingml/2006/main" xmlns:r="http://schemas.openxmlformats.org/officeDocument/2006/relationships" xmlns:p="http://schemas.openxmlformats.org/presentationml/2006/main">
+  <p:cSld>
+    <p:bg>
+      <p:bgPr>
+        <a:solidFill>
+          <a:schemeClr val="bg1"/>
+        </a:solidFill>
+        <a:effectLst/>
+      </p:bgPr>
+    </p:bg>
+    <p:spTree>
+      <p:nvGrpSpPr>
+        <p:cNvPr id="1" name=""/>
+        <p:cNvGrpSpPr/>
+        <p:nvPr/>
+      </p:nvGrpSpPr>
+      <p:grpSpPr>
+        <a:xfrm>
+          <a:off x="0" y="0"/>
+          <a:ext cx="0" cy="0"/>
+          <a:chOff x="0" y="0"/>
+          <a:chExt cx="0" cy="0"/>
+        </a:xfrm>
+      </p:grpSpPr>
+      <p:sp>
+        <p:nvSpPr>
+          <p:cNvPr id="11" name="Rectangle 7">
+            <a:extLst>
+              <a:ext uri="{FF2B5EF4-FFF2-40B4-BE49-F238E27FC236}">
+                <a16:creationId xmlns:a16="http://schemas.microsoft.com/office/drawing/2014/main" id="{AB45A142-4255-493C-8284-5D566C121B10}"/>
+              </a:ext>
+              <a:ext uri="{C183D7F6-B498-43B3-948B-1728B52AA6E4}">
+                <adec:decorative xmlns:adec="http://schemas.microsoft.com/office/drawing/2017/decorative" val="1"/>
+              </a:ext>
+            </a:extLst>
+          </p:cNvPr>
+          <p:cNvSpPr>
+            <a:spLocks noGrp="1" noRot="1" noChangeAspect="1" noMove="1" noResize="1" noEditPoints="1" noAdjustHandles="1" noChangeArrowheads="1" noChangeShapeType="1" noTextEdit="1"/>
+          </p:cNvSpPr>
+          <p:nvPr>
+            <p:extLst>
+              <p:ext uri="{386F3935-93C4-4BCD-93E2-E3B085C9AB24}">
+                <p16:designElem xmlns:p16="http://schemas.microsoft.com/office/powerpoint/2015/main" val="1"/>
+              </p:ext>
+            </p:extLst>
+          </p:nvPr>
+        </p:nvSpPr>
+        <p:spPr bwMode="ltGray">
+          <a:xfrm>
+            <a:off x="336884" y="321177"/>
+            <a:ext cx="4332307" cy="6179552"/>
+          </a:xfrm>
+          <a:prstGeom prst="rect">
+            <a:avLst/>
+          </a:prstGeom>
+          <a:solidFill>
+            <a:srgbClr val="404040">
+              <a:alpha val="89804"/>
+            </a:srgbClr>
+          </a:solidFill>
+          <a:ln w="127000" cap="sq" cmpd="thinThick">
+            <a:solidFill>
+              <a:srgbClr val="595959">
+                <a:alpha val="80000"/>
+              </a:srgbClr>
+            </a:solidFill>
+          </a:ln>
+        </p:spPr>
+        <p:style>
+          <a:lnRef idx="2">
+            <a:schemeClr val="accent1">
+              <a:shade val="50000"/>
+            </a:schemeClr>
+          </a:lnRef>
+          <a:fillRef idx="1">
+            <a:schemeClr val="accent1"/>
+          </a:fillRef>
+          <a:effectRef idx="0">
+            <a:schemeClr val="accent1"/>
+          </a:effectRef>
+          <a:fontRef idx="minor">
+            <a:schemeClr val="lt1"/>
+          </a:fontRef>
+        </p:style>
+        <p:txBody>
+          <a:bodyPr rtlCol="0" anchor="ctr"/>
+          <a:lstStyle/>
+          <a:p>
+            <a:pPr algn="ctr"/>
+            <a:endParaRPr lang="en-US"/>
+          </a:p>
+        </p:txBody>
+      </p:sp>
+      <p:sp>
+        <p:nvSpPr>
+          <p:cNvPr id="2" name="Titre 1">
+            <a:extLst>
+              <a:ext uri="{FF2B5EF4-FFF2-40B4-BE49-F238E27FC236}">
+                <a16:creationId xmlns:a16="http://schemas.microsoft.com/office/drawing/2014/main" id="{C7E48F90-E681-4CE1-9636-F11EDCE9031F}"/>
+              </a:ext>
+            </a:extLst>
+          </p:cNvPr>
+          <p:cNvSpPr txBox="1">
+            <a:spLocks/>
+          </p:cNvSpPr>
+          <p:nvPr/>
+        </p:nvSpPr>
+        <p:spPr>
+          <a:xfrm>
+            <a:off x="674237" y="914400"/>
+            <a:ext cx="3657600" cy="2887579"/>
+          </a:xfrm>
+          <a:prstGeom prst="rect">
+            <a:avLst/>
+          </a:prstGeom>
+        </p:spPr>
+        <p:txBody>
+          <a:bodyPr vert="horz" lIns="91440" tIns="45720" rIns="91440" bIns="45720" rtlCol="0" anchor="b">
+            <a:normAutofit/>
+          </a:bodyPr>
+          <a:lstStyle>
+            <a:lvl1pPr algn="l" defTabSz="914400" rtl="0" eaLnBrk="1" latinLnBrk="0" hangingPunct="1">
+              <a:lnSpc>
+                <a:spcPct val="90000"/>
+              </a:lnSpc>
+              <a:spcBef>
+                <a:spcPct val="0"/>
+              </a:spcBef>
+              <a:buNone/>
+              <a:defRPr sz="4400" kern="1200">
+                <a:solidFill>
+                  <a:schemeClr val="tx1"/>
+                </a:solidFill>
+                <a:latin typeface="+mj-lt"/>
+                <a:ea typeface="+mj-ea"/>
+                <a:cs typeface="+mj-cs"/>
+              </a:defRPr>
+            </a:lvl1pPr>
+          </a:lstStyle>
+          <a:p>
+            <a:pPr algn="ctr">
+              <a:spcAft>
+                <a:spcPts val="600"/>
+              </a:spcAft>
+            </a:pPr>
+            <a:r>
+              <a:rPr lang="en-US" sz="4800" kern="1200" dirty="0" err="1">
+                <a:solidFill>
+                  <a:srgbClr val="FFFFFF"/>
+                </a:solidFill>
+                <a:latin typeface="+mj-lt"/>
+                <a:ea typeface="+mj-ea"/>
+                <a:cs typeface="+mj-cs"/>
+              </a:rPr>
+              <a:t>Créer</a:t>
+            </a:r>
+            <a:r>
+              <a:rPr lang="en-US" sz="4800" kern="1200" dirty="0">
+                <a:solidFill>
+                  <a:srgbClr val="FFFFFF"/>
+                </a:solidFill>
+                <a:latin typeface="+mj-lt"/>
+                <a:ea typeface="+mj-ea"/>
+                <a:cs typeface="+mj-cs"/>
+              </a:rPr>
+              <a:t> </a:t>
+            </a:r>
+            <a:r>
+              <a:rPr lang="en-US" sz="4800" kern="1200" dirty="0" err="1">
+                <a:solidFill>
+                  <a:srgbClr val="FFFFFF"/>
+                </a:solidFill>
+                <a:latin typeface="+mj-lt"/>
+                <a:ea typeface="+mj-ea"/>
+                <a:cs typeface="+mj-cs"/>
+              </a:rPr>
+              <a:t>une</a:t>
+            </a:r>
+            <a:r>
+              <a:rPr lang="en-US" sz="4800" kern="1200" dirty="0">
+                <a:solidFill>
+                  <a:srgbClr val="FFFFFF"/>
+                </a:solidFill>
+                <a:latin typeface="+mj-lt"/>
+                <a:ea typeface="+mj-ea"/>
+                <a:cs typeface="+mj-cs"/>
+              </a:rPr>
+              <a:t> </a:t>
+            </a:r>
+            <a:r>
+              <a:rPr lang="en-US" sz="4800" kern="1200" dirty="0" err="1">
+                <a:solidFill>
+                  <a:srgbClr val="FFFFFF"/>
+                </a:solidFill>
+                <a:latin typeface="+mj-lt"/>
+                <a:ea typeface="+mj-ea"/>
+                <a:cs typeface="+mj-cs"/>
+              </a:rPr>
+              <a:t>classe</a:t>
+            </a:r>
+            <a:r>
+              <a:rPr lang="en-US" sz="4800" kern="1200" dirty="0">
+                <a:solidFill>
+                  <a:srgbClr val="FFFFFF"/>
+                </a:solidFill>
+                <a:latin typeface="+mj-lt"/>
+                <a:ea typeface="+mj-ea"/>
+                <a:cs typeface="+mj-cs"/>
+              </a:rPr>
+              <a:t> </a:t>
+            </a:r>
+            <a:r>
+              <a:rPr lang="en-US" sz="4800" kern="1200" dirty="0" err="1">
+                <a:solidFill>
+                  <a:srgbClr val="FFFFFF"/>
+                </a:solidFill>
+                <a:latin typeface="+mj-lt"/>
+                <a:ea typeface="+mj-ea"/>
+                <a:cs typeface="+mj-cs"/>
+              </a:rPr>
+              <a:t>générique</a:t>
+            </a:r>
+            <a:endParaRPr lang="en-US" sz="4800" kern="1200" dirty="0">
+              <a:solidFill>
+                <a:srgbClr val="FFFFFF"/>
+              </a:solidFill>
+              <a:latin typeface="+mj-lt"/>
+              <a:ea typeface="+mj-ea"/>
+              <a:cs typeface="+mj-cs"/>
+            </a:endParaRPr>
+          </a:p>
+        </p:txBody>
+      </p:sp>
+      <p:cxnSp>
+        <p:nvCxnSpPr>
+          <p:cNvPr id="10" name="Straight Connector 9">
+            <a:extLst>
+              <a:ext uri="{FF2B5EF4-FFF2-40B4-BE49-F238E27FC236}">
+                <a16:creationId xmlns:a16="http://schemas.microsoft.com/office/drawing/2014/main" id="{38FB9660-F42F-4313-BBC4-47C007FE484C}"/>
+              </a:ext>
+              <a:ext uri="{C183D7F6-B498-43B3-948B-1728B52AA6E4}">
+                <adec:decorative xmlns:adec="http://schemas.microsoft.com/office/drawing/2017/decorative" val="1"/>
+              </a:ext>
+            </a:extLst>
+          </p:cNvPr>
+          <p:cNvCxnSpPr>
+            <a:cxnSpLocks noGrp="1" noRot="1" noChangeAspect="1" noMove="1" noResize="1" noEditPoints="1" noAdjustHandles="1" noChangeArrowheads="1" noChangeShapeType="1"/>
+          </p:cNvCxnSpPr>
+          <p:nvPr>
+            <p:extLst>
+              <p:ext uri="{386F3935-93C4-4BCD-93E2-E3B085C9AB24}">
+                <p16:designElem xmlns:p16="http://schemas.microsoft.com/office/powerpoint/2015/main" val="1"/>
+              </p:ext>
+            </p:extLst>
+          </p:nvPr>
+        </p:nvCxnSpPr>
+        <p:spPr>
+          <a:xfrm>
+            <a:off x="1191126" y="3910267"/>
+            <a:ext cx="2586790" cy="0"/>
+          </a:xfrm>
+          <a:prstGeom prst="line">
+            <a:avLst/>
+          </a:prstGeom>
+          <a:ln w="22225">
+            <a:solidFill>
+              <a:srgbClr val="D9D9D9"/>
+            </a:solidFill>
+          </a:ln>
+        </p:spPr>
+        <p:style>
+          <a:lnRef idx="1">
+            <a:schemeClr val="accent1"/>
+          </a:lnRef>
+          <a:fillRef idx="0">
+            <a:schemeClr val="accent1"/>
+          </a:fillRef>
+          <a:effectRef idx="0">
+            <a:schemeClr val="accent1"/>
+          </a:effectRef>
+          <a:fontRef idx="minor">
+            <a:schemeClr val="tx1"/>
+          </a:fontRef>
+        </p:style>
+      </p:cxnSp>
+      <p:pic>
+        <p:nvPicPr>
+          <p:cNvPr id="3" name="Image 2">
+            <a:extLst>
+              <a:ext uri="{FF2B5EF4-FFF2-40B4-BE49-F238E27FC236}">
+                <a16:creationId xmlns:a16="http://schemas.microsoft.com/office/drawing/2014/main" id="{34C813EF-3FEF-432F-B1DC-71B91F888D46}"/>
+              </a:ext>
+            </a:extLst>
+          </p:cNvPr>
+          <p:cNvPicPr>
+            <a:picLocks noChangeAspect="1"/>
+          </p:cNvPicPr>
+          <p:nvPr/>
+        </p:nvPicPr>
+        <p:blipFill>
+          <a:blip r:embed="rId2"/>
+          <a:stretch>
+            <a:fillRect/>
+          </a:stretch>
+        </p:blipFill>
+        <p:spPr>
+          <a:xfrm>
+            <a:off x="4952645" y="770020"/>
+            <a:ext cx="6902471" cy="5527881"/>
+          </a:xfrm>
+          <a:prstGeom prst="rect">
+            <a:avLst/>
+          </a:prstGeom>
+        </p:spPr>
+      </p:pic>
+      <p:sp>
+        <p:nvSpPr>
+          <p:cNvPr id="7" name="Titre 1">
+            <a:extLst>
+              <a:ext uri="{FF2B5EF4-FFF2-40B4-BE49-F238E27FC236}">
+                <a16:creationId xmlns:a16="http://schemas.microsoft.com/office/drawing/2014/main" id="{E8285CB7-5045-441D-98B9-04871FE572FD}"/>
+              </a:ext>
+            </a:extLst>
+          </p:cNvPr>
+          <p:cNvSpPr txBox="1">
+            <a:spLocks/>
+          </p:cNvSpPr>
+          <p:nvPr/>
+        </p:nvSpPr>
+        <p:spPr>
+          <a:xfrm>
+            <a:off x="655721" y="4722097"/>
+            <a:ext cx="3657600" cy="966803"/>
+          </a:xfrm>
+          <a:prstGeom prst="rect">
+            <a:avLst/>
+          </a:prstGeom>
+        </p:spPr>
+        <p:txBody>
+          <a:bodyPr vert="horz" lIns="91440" tIns="45720" rIns="91440" bIns="45720" rtlCol="0" anchor="b">
+            <a:normAutofit/>
+          </a:bodyPr>
+          <a:lstStyle>
+            <a:lvl1pPr algn="l" defTabSz="914400" rtl="0" eaLnBrk="1" latinLnBrk="0" hangingPunct="1">
+              <a:lnSpc>
+                <a:spcPct val="90000"/>
+              </a:lnSpc>
+              <a:spcBef>
+                <a:spcPct val="0"/>
+              </a:spcBef>
+              <a:buNone/>
+              <a:defRPr sz="4400" kern="1200">
+                <a:solidFill>
+                  <a:schemeClr val="tx1"/>
+                </a:solidFill>
+                <a:latin typeface="+mj-lt"/>
+                <a:ea typeface="+mj-ea"/>
+                <a:cs typeface="+mj-cs"/>
+              </a:defRPr>
+            </a:lvl1pPr>
+          </a:lstStyle>
+          <a:p>
+            <a:pPr algn="ctr">
+              <a:spcAft>
+                <a:spcPts val="600"/>
+              </a:spcAft>
+            </a:pPr>
+            <a:r>
+              <a:rPr lang="en-US" sz="4800" kern="1200" dirty="0" err="1">
+                <a:solidFill>
+                  <a:srgbClr val="FFFFFF"/>
+                </a:solidFill>
+                <a:latin typeface="+mj-lt"/>
+                <a:ea typeface="+mj-ea"/>
+                <a:cs typeface="+mj-cs"/>
+              </a:rPr>
+              <a:t>Définition</a:t>
+            </a:r>
+            <a:endParaRPr lang="en-US" sz="4800" kern="1200" dirty="0">
+              <a:solidFill>
+                <a:srgbClr val="FFFFFF"/>
+              </a:solidFill>
+              <a:latin typeface="+mj-lt"/>
+              <a:ea typeface="+mj-ea"/>
+              <a:cs typeface="+mj-cs"/>
+            </a:endParaRPr>
+          </a:p>
+        </p:txBody>
+      </p:sp>
+    </p:spTree>
+    <p:extLst>
+      <p:ext uri="{BB962C8B-B14F-4D97-AF65-F5344CB8AC3E}">
+        <p14:creationId xmlns:p14="http://schemas.microsoft.com/office/powerpoint/2010/main" val="3178016002"/>
+      </p:ext>
+    </p:extLst>
+  </p:cSld>
+  <p:clrMapOvr>
+    <a:masterClrMapping/>
+  </p:clrMapOvr>
+</p:sld>
+</file>
+
+<file path=ppt/slides/slide7.xml><?xml version="1.0" encoding="utf-8"?>
+<p:sld xmlns:a="http://schemas.openxmlformats.org/drawingml/2006/main" xmlns:r="http://schemas.openxmlformats.org/officeDocument/2006/relationships" xmlns:p="http://schemas.openxmlformats.org/presentationml/2006/main">
+  <p:cSld>
+    <p:bg>
+      <p:bgPr>
+        <a:solidFill>
+          <a:schemeClr val="bg1"/>
+        </a:solidFill>
+        <a:effectLst/>
+      </p:bgPr>
+    </p:bg>
+    <p:spTree>
+      <p:nvGrpSpPr>
+        <p:cNvPr id="1" name=""/>
+        <p:cNvGrpSpPr/>
+        <p:nvPr/>
+      </p:nvGrpSpPr>
+      <p:grpSpPr>
+        <a:xfrm>
+          <a:off x="0" y="0"/>
+          <a:ext cx="0" cy="0"/>
+          <a:chOff x="0" y="0"/>
+          <a:chExt cx="0" cy="0"/>
+        </a:xfrm>
+      </p:grpSpPr>
+      <p:sp>
+        <p:nvSpPr>
+          <p:cNvPr id="15" name="Rectangle 14">
+            <a:extLst>
+              <a:ext uri="{FF2B5EF4-FFF2-40B4-BE49-F238E27FC236}">
+                <a16:creationId xmlns:a16="http://schemas.microsoft.com/office/drawing/2014/main" id="{AB45A142-4255-493C-8284-5D566C121B10}"/>
+              </a:ext>
+              <a:ext uri="{C183D7F6-B498-43B3-948B-1728B52AA6E4}">
+                <adec:decorative xmlns:adec="http://schemas.microsoft.com/office/drawing/2017/decorative" val="1"/>
+              </a:ext>
+            </a:extLst>
+          </p:cNvPr>
+          <p:cNvSpPr>
+            <a:spLocks noGrp="1" noRot="1" noChangeAspect="1" noMove="1" noResize="1" noEditPoints="1" noAdjustHandles="1" noChangeArrowheads="1" noChangeShapeType="1" noTextEdit="1"/>
+          </p:cNvSpPr>
+          <p:nvPr>
+            <p:extLst>
+              <p:ext uri="{386F3935-93C4-4BCD-93E2-E3B085C9AB24}">
+                <p16:designElem xmlns:p16="http://schemas.microsoft.com/office/powerpoint/2015/main" val="1"/>
+              </p:ext>
+            </p:extLst>
+          </p:nvPr>
+        </p:nvSpPr>
+        <p:spPr bwMode="ltGray">
+          <a:xfrm>
+            <a:off x="336884" y="321177"/>
+            <a:ext cx="4332307" cy="6179552"/>
+          </a:xfrm>
+          <a:prstGeom prst="rect">
+            <a:avLst/>
+          </a:prstGeom>
+          <a:solidFill>
+            <a:srgbClr val="404040">
+              <a:alpha val="89804"/>
+            </a:srgbClr>
+          </a:solidFill>
+          <a:ln w="127000" cap="sq" cmpd="thinThick">
+            <a:solidFill>
+              <a:srgbClr val="595959">
+                <a:alpha val="80000"/>
+              </a:srgbClr>
+            </a:solidFill>
+          </a:ln>
+        </p:spPr>
+        <p:style>
+          <a:lnRef idx="2">
+            <a:schemeClr val="accent1">
+              <a:shade val="50000"/>
+            </a:schemeClr>
+          </a:lnRef>
+          <a:fillRef idx="1">
+            <a:schemeClr val="accent1"/>
+          </a:fillRef>
+          <a:effectRef idx="0">
+            <a:schemeClr val="accent1"/>
+          </a:effectRef>
+          <a:fontRef idx="minor">
+            <a:schemeClr val="lt1"/>
+          </a:fontRef>
+        </p:style>
+        <p:txBody>
+          <a:bodyPr rtlCol="0" anchor="ctr"/>
+          <a:lstStyle/>
+          <a:p>
+            <a:pPr algn="ctr"/>
+            <a:endParaRPr lang="en-US"/>
+          </a:p>
+        </p:txBody>
+      </p:sp>
+      <p:sp>
+        <p:nvSpPr>
+          <p:cNvPr id="2" name="Titre 1">
+            <a:extLst>
+              <a:ext uri="{FF2B5EF4-FFF2-40B4-BE49-F238E27FC236}">
+                <a16:creationId xmlns:a16="http://schemas.microsoft.com/office/drawing/2014/main" id="{F85E526D-5B5F-4EA9-9D55-0F3052412ADB}"/>
+              </a:ext>
+            </a:extLst>
+          </p:cNvPr>
+          <p:cNvSpPr txBox="1">
+            <a:spLocks/>
+          </p:cNvSpPr>
+          <p:nvPr/>
+        </p:nvSpPr>
+        <p:spPr>
+          <a:xfrm>
+            <a:off x="674237" y="914400"/>
+            <a:ext cx="3657600" cy="2887579"/>
+          </a:xfrm>
+          <a:prstGeom prst="rect">
+            <a:avLst/>
+          </a:prstGeom>
+        </p:spPr>
+        <p:txBody>
+          <a:bodyPr vert="horz" lIns="91440" tIns="45720" rIns="91440" bIns="45720" rtlCol="0" anchor="b">
+            <a:normAutofit/>
+          </a:bodyPr>
+          <a:lstStyle>
+            <a:lvl1pPr algn="l" defTabSz="914400" rtl="0" eaLnBrk="1" latinLnBrk="0" hangingPunct="1">
+              <a:lnSpc>
+                <a:spcPct val="90000"/>
+              </a:lnSpc>
+              <a:spcBef>
+                <a:spcPct val="0"/>
+              </a:spcBef>
+              <a:buNone/>
+              <a:defRPr sz="4400" kern="1200">
+                <a:solidFill>
+                  <a:schemeClr val="tx1"/>
+                </a:solidFill>
+                <a:latin typeface="+mj-lt"/>
+                <a:ea typeface="+mj-ea"/>
+                <a:cs typeface="+mj-cs"/>
+              </a:defRPr>
+            </a:lvl1pPr>
+          </a:lstStyle>
+          <a:p>
+            <a:pPr algn="ctr">
+              <a:spcAft>
+                <a:spcPts val="600"/>
+              </a:spcAft>
+            </a:pPr>
+            <a:r>
+              <a:rPr lang="en-US" sz="4800" kern="1200">
+                <a:solidFill>
+                  <a:srgbClr val="FFFFFF"/>
+                </a:solidFill>
+                <a:latin typeface="+mj-lt"/>
+                <a:ea typeface="+mj-ea"/>
+                <a:cs typeface="+mj-cs"/>
+              </a:rPr>
+              <a:t>Créer une classe générique</a:t>
+            </a:r>
+          </a:p>
+        </p:txBody>
+      </p:sp>
+      <p:cxnSp>
+        <p:nvCxnSpPr>
+          <p:cNvPr id="17" name="Straight Connector 16">
+            <a:extLst>
+              <a:ext uri="{FF2B5EF4-FFF2-40B4-BE49-F238E27FC236}">
+                <a16:creationId xmlns:a16="http://schemas.microsoft.com/office/drawing/2014/main" id="{38FB9660-F42F-4313-BBC4-47C007FE484C}"/>
+              </a:ext>
+              <a:ext uri="{C183D7F6-B498-43B3-948B-1728B52AA6E4}">
+                <adec:decorative xmlns:adec="http://schemas.microsoft.com/office/drawing/2017/decorative" val="1"/>
+              </a:ext>
+            </a:extLst>
+          </p:cNvPr>
+          <p:cNvCxnSpPr>
+            <a:cxnSpLocks noGrp="1" noRot="1" noChangeAspect="1" noMove="1" noResize="1" noEditPoints="1" noAdjustHandles="1" noChangeArrowheads="1" noChangeShapeType="1"/>
+          </p:cNvCxnSpPr>
+          <p:nvPr>
+            <p:extLst>
+              <p:ext uri="{386F3935-93C4-4BCD-93E2-E3B085C9AB24}">
+                <p16:designElem xmlns:p16="http://schemas.microsoft.com/office/powerpoint/2015/main" val="1"/>
+              </p:ext>
+            </p:extLst>
+          </p:nvPr>
+        </p:nvCxnSpPr>
+        <p:spPr>
+          <a:xfrm>
+            <a:off x="1191126" y="3910267"/>
+            <a:ext cx="2586790" cy="0"/>
+          </a:xfrm>
+          <a:prstGeom prst="line">
+            <a:avLst/>
+          </a:prstGeom>
+          <a:ln w="22225">
+            <a:solidFill>
+              <a:srgbClr val="D9D9D9"/>
+            </a:solidFill>
+          </a:ln>
+        </p:spPr>
+        <p:style>
+          <a:lnRef idx="1">
+            <a:schemeClr val="accent1"/>
+          </a:lnRef>
+          <a:fillRef idx="0">
+            <a:schemeClr val="accent1"/>
+          </a:fillRef>
+          <a:effectRef idx="0">
+            <a:schemeClr val="accent1"/>
+          </a:effectRef>
+          <a:fontRef idx="minor">
+            <a:schemeClr val="tx1"/>
+          </a:fontRef>
+        </p:style>
+      </p:cxnSp>
+      <p:pic>
+        <p:nvPicPr>
+          <p:cNvPr id="4" name="Image 3">
+            <a:extLst>
+              <a:ext uri="{FF2B5EF4-FFF2-40B4-BE49-F238E27FC236}">
+                <a16:creationId xmlns:a16="http://schemas.microsoft.com/office/drawing/2014/main" id="{4DFE6B0A-7D37-4424-B8CF-B95FCB0432B7}"/>
+              </a:ext>
+            </a:extLst>
+          </p:cNvPr>
+          <p:cNvPicPr>
+            <a:picLocks noChangeAspect="1"/>
+          </p:cNvPicPr>
+          <p:nvPr/>
+        </p:nvPicPr>
+        <p:blipFill>
+          <a:blip r:embed="rId2"/>
+          <a:stretch>
+            <a:fillRect/>
+          </a:stretch>
+        </p:blipFill>
+        <p:spPr>
+          <a:xfrm>
+            <a:off x="5006544" y="1262330"/>
+            <a:ext cx="6934987" cy="5238399"/>
+          </a:xfrm>
+          <a:prstGeom prst="rect">
+            <a:avLst/>
+          </a:prstGeom>
+        </p:spPr>
+      </p:pic>
+      <p:sp>
+        <p:nvSpPr>
+          <p:cNvPr id="9" name="Titre 1">
+            <a:extLst>
+              <a:ext uri="{FF2B5EF4-FFF2-40B4-BE49-F238E27FC236}">
+                <a16:creationId xmlns:a16="http://schemas.microsoft.com/office/drawing/2014/main" id="{86F71D85-C945-4CAE-98CB-BC855EF506B5}"/>
+              </a:ext>
+            </a:extLst>
+          </p:cNvPr>
+          <p:cNvSpPr txBox="1">
+            <a:spLocks/>
+          </p:cNvSpPr>
+          <p:nvPr/>
+        </p:nvSpPr>
+        <p:spPr>
+          <a:xfrm>
+            <a:off x="750437" y="4395202"/>
+            <a:ext cx="3505200" cy="953271"/>
+          </a:xfrm>
+          <a:prstGeom prst="rect">
+            <a:avLst/>
+          </a:prstGeom>
+        </p:spPr>
+        <p:txBody>
+          <a:bodyPr vert="horz" lIns="91440" tIns="45720" rIns="91440" bIns="45720" rtlCol="0" anchor="b">
+            <a:normAutofit/>
+          </a:bodyPr>
+          <a:lstStyle>
+            <a:lvl1pPr algn="l" defTabSz="914400" rtl="0" eaLnBrk="1" latinLnBrk="0" hangingPunct="1">
+              <a:lnSpc>
+                <a:spcPct val="90000"/>
+              </a:lnSpc>
+              <a:spcBef>
+                <a:spcPct val="0"/>
+              </a:spcBef>
+              <a:buNone/>
+              <a:defRPr sz="4400" kern="1200">
+                <a:solidFill>
+                  <a:schemeClr val="tx1"/>
+                </a:solidFill>
+                <a:latin typeface="+mj-lt"/>
+                <a:ea typeface="+mj-ea"/>
+                <a:cs typeface="+mj-cs"/>
+              </a:defRPr>
+            </a:lvl1pPr>
+          </a:lstStyle>
+          <a:p>
+            <a:pPr algn="ctr">
+              <a:spcAft>
+                <a:spcPts val="600"/>
+              </a:spcAft>
+            </a:pPr>
+            <a:r>
+              <a:rPr lang="en-US" sz="4800" kern="1200" dirty="0">
+                <a:solidFill>
+                  <a:srgbClr val="FFFFFF"/>
+                </a:solidFill>
+                <a:latin typeface="+mj-lt"/>
+                <a:ea typeface="+mj-ea"/>
+                <a:cs typeface="+mj-cs"/>
+              </a:rPr>
+              <a:t>Main</a:t>
+            </a:r>
+          </a:p>
+        </p:txBody>
+      </p:sp>
+    </p:spTree>
+    <p:extLst>
+      <p:ext uri="{BB962C8B-B14F-4D97-AF65-F5344CB8AC3E}">
+        <p14:creationId xmlns:p14="http://schemas.microsoft.com/office/powerpoint/2010/main" val="1492110955"/>
+      </p:ext>
+    </p:extLst>
+  </p:cSld>
+  <p:clrMapOvr>
+    <a:masterClrMapping/>
+  </p:clrMapOvr>
+</p:sld>
+</file>
+
+<file path=ppt/slides/slide8.xml><?xml version="1.0" encoding="utf-8"?>
+<p:sld xmlns:a="http://schemas.openxmlformats.org/drawingml/2006/main" xmlns:r="http://schemas.openxmlformats.org/officeDocument/2006/relationships" xmlns:p="http://schemas.openxmlformats.org/presentationml/2006/main">
+  <p:cSld>
+    <p:bg>
+      <p:bgPr>
+        <a:solidFill>
+          <a:schemeClr val="bg1"/>
+        </a:solidFill>
+        <a:effectLst/>
+      </p:bgPr>
+    </p:bg>
+    <p:spTree>
+      <p:nvGrpSpPr>
+        <p:cNvPr id="1" name=""/>
+        <p:cNvGrpSpPr/>
+        <p:nvPr/>
+      </p:nvGrpSpPr>
+      <p:grpSpPr>
+        <a:xfrm>
+          <a:off x="0" y="0"/>
+          <a:ext cx="0" cy="0"/>
+          <a:chOff x="0" y="0"/>
+          <a:chExt cx="0" cy="0"/>
+        </a:xfrm>
+      </p:grpSpPr>
+      <p:sp>
+        <p:nvSpPr>
+          <p:cNvPr id="18" name="Rectangle 17">
+            <a:extLst>
+              <a:ext uri="{FF2B5EF4-FFF2-40B4-BE49-F238E27FC236}">
+                <a16:creationId xmlns:a16="http://schemas.microsoft.com/office/drawing/2014/main" id="{AB45A142-4255-493C-8284-5D566C121B10}"/>
+              </a:ext>
+              <a:ext uri="{C183D7F6-B498-43B3-948B-1728B52AA6E4}">
+                <adec:decorative xmlns:adec="http://schemas.microsoft.com/office/drawing/2017/decorative" val="1"/>
+              </a:ext>
+            </a:extLst>
+          </p:cNvPr>
+          <p:cNvSpPr>
+            <a:spLocks noGrp="1" noRot="1" noChangeAspect="1" noMove="1" noResize="1" noEditPoints="1" noAdjustHandles="1" noChangeArrowheads="1" noChangeShapeType="1" noTextEdit="1"/>
+          </p:cNvSpPr>
+          <p:nvPr>
+            <p:extLst>
+              <p:ext uri="{386F3935-93C4-4BCD-93E2-E3B085C9AB24}">
+                <p16:designElem xmlns:p16="http://schemas.microsoft.com/office/powerpoint/2015/main" val="1"/>
+              </p:ext>
+            </p:extLst>
+          </p:nvPr>
+        </p:nvSpPr>
+        <p:spPr bwMode="ltGray">
+          <a:xfrm>
+            <a:off x="336884" y="321177"/>
+            <a:ext cx="4332307" cy="6179552"/>
+          </a:xfrm>
+          <a:prstGeom prst="rect">
+            <a:avLst/>
+          </a:prstGeom>
+          <a:solidFill>
+            <a:srgbClr val="404040">
+              <a:alpha val="89804"/>
+            </a:srgbClr>
+          </a:solidFill>
+          <a:ln w="127000" cap="sq" cmpd="thinThick">
+            <a:solidFill>
+              <a:srgbClr val="595959">
+                <a:alpha val="80000"/>
+              </a:srgbClr>
+            </a:solidFill>
+          </a:ln>
+        </p:spPr>
+        <p:style>
+          <a:lnRef idx="2">
+            <a:schemeClr val="accent1">
+              <a:shade val="50000"/>
+            </a:schemeClr>
+          </a:lnRef>
+          <a:fillRef idx="1">
+            <a:schemeClr val="accent1"/>
+          </a:fillRef>
+          <a:effectRef idx="0">
+            <a:schemeClr val="accent1"/>
+          </a:effectRef>
+          <a:fontRef idx="minor">
+            <a:schemeClr val="lt1"/>
+          </a:fontRef>
+        </p:style>
+        <p:txBody>
+          <a:bodyPr rtlCol="0" anchor="ctr"/>
+          <a:lstStyle/>
+          <a:p>
+            <a:pPr algn="ctr"/>
+            <a:endParaRPr lang="en-US"/>
+          </a:p>
+        </p:txBody>
+      </p:sp>
+      <p:sp>
+        <p:nvSpPr>
+          <p:cNvPr id="4" name="Titre 1">
+            <a:extLst>
+              <a:ext uri="{FF2B5EF4-FFF2-40B4-BE49-F238E27FC236}">
+                <a16:creationId xmlns:a16="http://schemas.microsoft.com/office/drawing/2014/main" id="{3C780994-7DFB-4DD1-96DE-F90A19B16BAD}"/>
+              </a:ext>
+            </a:extLst>
+          </p:cNvPr>
+          <p:cNvSpPr txBox="1">
+            <a:spLocks/>
+          </p:cNvSpPr>
+          <p:nvPr/>
+        </p:nvSpPr>
+        <p:spPr>
+          <a:xfrm>
+            <a:off x="674237" y="914400"/>
+            <a:ext cx="3657600" cy="2887579"/>
+          </a:xfrm>
+          <a:prstGeom prst="ellipse">
+            <a:avLst/>
+          </a:prstGeom>
+        </p:spPr>
+        <p:txBody>
+          <a:bodyPr vert="horz" lIns="91440" tIns="45720" rIns="91440" bIns="45720" rtlCol="0" anchor="b">
+            <a:normAutofit/>
+          </a:bodyPr>
+          <a:lstStyle>
+            <a:lvl1pPr algn="l" defTabSz="914400" rtl="0" eaLnBrk="1" latinLnBrk="0" hangingPunct="1">
+              <a:lnSpc>
+                <a:spcPct val="90000"/>
+              </a:lnSpc>
+              <a:spcBef>
+                <a:spcPct val="0"/>
+              </a:spcBef>
+              <a:buNone/>
+              <a:defRPr sz="4400" kern="1200">
+                <a:solidFill>
+                  <a:schemeClr val="tx1"/>
+                </a:solidFill>
+                <a:latin typeface="+mj-lt"/>
+                <a:ea typeface="+mj-ea"/>
+                <a:cs typeface="+mj-cs"/>
+              </a:defRPr>
+            </a:lvl1pPr>
+          </a:lstStyle>
+          <a:p>
+            <a:pPr algn="ctr">
+              <a:spcAft>
+                <a:spcPts val="600"/>
+              </a:spcAft>
+            </a:pPr>
+            <a:r>
+              <a:rPr lang="en-US" kern="1200" dirty="0" err="1">
+                <a:solidFill>
+                  <a:srgbClr val="FFFFFF"/>
+                </a:solidFill>
+                <a:latin typeface="+mj-lt"/>
+                <a:ea typeface="+mj-ea"/>
+                <a:cs typeface="+mj-cs"/>
+              </a:rPr>
+              <a:t>Créer</a:t>
+            </a:r>
+            <a:r>
+              <a:rPr lang="en-US" kern="1200" dirty="0">
+                <a:solidFill>
+                  <a:srgbClr val="FFFFFF"/>
+                </a:solidFill>
+                <a:latin typeface="+mj-lt"/>
+                <a:ea typeface="+mj-ea"/>
+                <a:cs typeface="+mj-cs"/>
+              </a:rPr>
+              <a:t> </a:t>
+            </a:r>
+            <a:r>
+              <a:rPr lang="en-US" kern="1200" dirty="0" err="1">
+                <a:solidFill>
+                  <a:srgbClr val="FFFFFF"/>
+                </a:solidFill>
+                <a:latin typeface="+mj-lt"/>
+                <a:ea typeface="+mj-ea"/>
+                <a:cs typeface="+mj-cs"/>
+              </a:rPr>
+              <a:t>une</a:t>
+            </a:r>
+            <a:r>
+              <a:rPr lang="en-US" kern="1200" dirty="0">
+                <a:solidFill>
+                  <a:srgbClr val="FFFFFF"/>
+                </a:solidFill>
+                <a:latin typeface="+mj-lt"/>
+                <a:ea typeface="+mj-ea"/>
+                <a:cs typeface="+mj-cs"/>
+              </a:rPr>
+              <a:t> </a:t>
+            </a:r>
+            <a:r>
+              <a:rPr lang="en-US" kern="1200" dirty="0" err="1">
+                <a:solidFill>
+                  <a:srgbClr val="FFFFFF"/>
+                </a:solidFill>
+                <a:latin typeface="+mj-lt"/>
+                <a:ea typeface="+mj-ea"/>
+                <a:cs typeface="+mj-cs"/>
+              </a:rPr>
+              <a:t>méthode</a:t>
+            </a:r>
+            <a:r>
+              <a:rPr lang="en-US" kern="1200" dirty="0">
+                <a:solidFill>
+                  <a:srgbClr val="FFFFFF"/>
+                </a:solidFill>
+                <a:latin typeface="+mj-lt"/>
+                <a:ea typeface="+mj-ea"/>
+                <a:cs typeface="+mj-cs"/>
+              </a:rPr>
+              <a:t> </a:t>
+            </a:r>
+            <a:r>
+              <a:rPr lang="en-US" kern="1200" dirty="0" err="1">
+                <a:solidFill>
+                  <a:srgbClr val="FFFFFF"/>
+                </a:solidFill>
+                <a:latin typeface="+mj-lt"/>
+                <a:ea typeface="+mj-ea"/>
+                <a:cs typeface="+mj-cs"/>
+              </a:rPr>
+              <a:t>générique</a:t>
+            </a:r>
+            <a:endParaRPr lang="en-US" kern="1200" dirty="0">
+              <a:solidFill>
+                <a:srgbClr val="FFFFFF"/>
+              </a:solidFill>
+              <a:latin typeface="+mj-lt"/>
+              <a:ea typeface="+mj-ea"/>
+              <a:cs typeface="+mj-cs"/>
+            </a:endParaRPr>
+          </a:p>
+        </p:txBody>
+      </p:sp>
+      <p:cxnSp>
+        <p:nvCxnSpPr>
+          <p:cNvPr id="20" name="Straight Connector 19">
+            <a:extLst>
+              <a:ext uri="{FF2B5EF4-FFF2-40B4-BE49-F238E27FC236}">
+                <a16:creationId xmlns:a16="http://schemas.microsoft.com/office/drawing/2014/main" id="{38FB9660-F42F-4313-BBC4-47C007FE484C}"/>
+              </a:ext>
+              <a:ext uri="{C183D7F6-B498-43B3-948B-1728B52AA6E4}">
+                <adec:decorative xmlns:adec="http://schemas.microsoft.com/office/drawing/2017/decorative" val="1"/>
+              </a:ext>
+            </a:extLst>
+          </p:cNvPr>
+          <p:cNvCxnSpPr>
+            <a:cxnSpLocks noGrp="1" noRot="1" noChangeAspect="1" noMove="1" noResize="1" noEditPoints="1" noAdjustHandles="1" noChangeArrowheads="1" noChangeShapeType="1"/>
+          </p:cNvCxnSpPr>
+          <p:nvPr>
+            <p:extLst>
+              <p:ext uri="{386F3935-93C4-4BCD-93E2-E3B085C9AB24}">
+                <p16:designElem xmlns:p16="http://schemas.microsoft.com/office/powerpoint/2015/main" val="1"/>
+              </p:ext>
+            </p:extLst>
+          </p:nvPr>
+        </p:nvCxnSpPr>
+        <p:spPr>
+          <a:xfrm>
+            <a:off x="1191126" y="3910267"/>
+            <a:ext cx="2586790" cy="0"/>
+          </a:xfrm>
+          <a:prstGeom prst="line">
+            <a:avLst/>
+          </a:prstGeom>
+          <a:ln w="22225">
+            <a:solidFill>
+              <a:srgbClr val="D9D9D9"/>
+            </a:solidFill>
+          </a:ln>
+        </p:spPr>
+        <p:style>
+          <a:lnRef idx="1">
+            <a:schemeClr val="accent1"/>
+          </a:lnRef>
+          <a:fillRef idx="0">
+            <a:schemeClr val="accent1"/>
+          </a:fillRef>
+          <a:effectRef idx="0">
+            <a:schemeClr val="accent1"/>
+          </a:effectRef>
+          <a:fontRef idx="minor">
+            <a:schemeClr val="tx1"/>
+          </a:fontRef>
+        </p:style>
+      </p:cxnSp>
+      <p:pic>
+        <p:nvPicPr>
+          <p:cNvPr id="3" name="Image 2">
+            <a:extLst>
+              <a:ext uri="{FF2B5EF4-FFF2-40B4-BE49-F238E27FC236}">
+                <a16:creationId xmlns:a16="http://schemas.microsoft.com/office/drawing/2014/main" id="{A406CE86-8198-4601-B543-DA55C1E272B8}"/>
+              </a:ext>
+            </a:extLst>
+          </p:cNvPr>
+          <p:cNvPicPr>
+            <a:picLocks noChangeAspect="1"/>
+          </p:cNvPicPr>
+          <p:nvPr/>
+        </p:nvPicPr>
+        <p:blipFill>
+          <a:blip r:embed="rId2"/>
+          <a:stretch>
+            <a:fillRect/>
+          </a:stretch>
+        </p:blipFill>
+        <p:spPr>
+          <a:xfrm>
+            <a:off x="5702140" y="153861"/>
+            <a:ext cx="5447942" cy="6550277"/>
+          </a:xfrm>
+          <a:prstGeom prst="rect">
+            <a:avLst/>
+          </a:prstGeom>
+        </p:spPr>
+      </p:pic>
+    </p:spTree>
+    <p:extLst>
+      <p:ext uri="{BB962C8B-B14F-4D97-AF65-F5344CB8AC3E}">
+        <p14:creationId xmlns:p14="http://schemas.microsoft.com/office/powerpoint/2010/main" val="2978308490"/>
+      </p:ext>
+    </p:extLst>
+  </p:cSld>
+  <p:clrMapOvr>
+    <a:masterClrMapping/>
+  </p:clrMapOvr>
+</p:sld>
+</file>
+
+<file path=ppt/slides/slide9.xml><?xml version="1.0" encoding="utf-8"?>
+<p:sld xmlns:a="http://schemas.openxmlformats.org/drawingml/2006/main" xmlns:r="http://schemas.openxmlformats.org/officeDocument/2006/relationships" xmlns:p="http://schemas.openxmlformats.org/presentationml/2006/main">
+  <p:cSld>
+    <p:spTree>
+      <p:nvGrpSpPr>
+        <p:cNvPr id="1" name=""/>
+        <p:cNvGrpSpPr/>
+        <p:nvPr/>
+      </p:nvGrpSpPr>
+      <p:grpSpPr>
+        <a:xfrm>
+          <a:off x="0" y="0"/>
+          <a:ext cx="0" cy="0"/>
+          <a:chOff x="0" y="0"/>
+          <a:chExt cx="0" cy="0"/>
+        </a:xfrm>
+      </p:grpSpPr>
+    </p:spTree>
+    <p:extLst>
+      <p:ext uri="{BB962C8B-B14F-4D97-AF65-F5344CB8AC3E}">
+        <p14:creationId xmlns:p14="http://schemas.microsoft.com/office/powerpoint/2010/main" val="2208112444"/>
       </p:ext>
     </p:extLst>
   </p:cSld>

--- a/ClasseC#.pptx
+++ b/ClasseC#.pptx
@@ -5,7 +5,7 @@
     <p:sldMasterId id="2147483648" r:id="rId1"/>
   </p:sldMasterIdLst>
   <p:notesMasterIdLst>
-    <p:notesMasterId r:id="rId11"/>
+    <p:notesMasterId r:id="rId12"/>
   </p:notesMasterIdLst>
   <p:sldIdLst>
     <p:sldId id="256" r:id="rId2"/>
@@ -17,6 +17,7 @@
     <p:sldId id="263" r:id="rId8"/>
     <p:sldId id="264" r:id="rId9"/>
     <p:sldId id="265" r:id="rId10"/>
+    <p:sldId id="266" r:id="rId11"/>
   </p:sldIdLst>
   <p:sldSz cx="12192000" cy="6858000"/>
   <p:notesSz cx="6858000" cy="9144000"/>
@@ -205,7 +206,7 @@
           <a:p>
             <a:fld id="{34F0CEED-F348-4186-A846-CE101DEC4B97}" type="datetimeFigureOut">
               <a:rPr lang="fr-FR" smtClean="0"/>
-              <a:t>04/02/2019</a:t>
+              <a:t>11/02/2019</a:t>
             </a:fld>
             <a:endParaRPr lang="fr-FR"/>
           </a:p>
@@ -619,7 +620,7 @@
           <a:p>
             <a:fld id="{72314DF7-7553-466E-B859-4F9C1D9A9B8F}" type="datetime1">
               <a:rPr lang="fr-FR" smtClean="0"/>
-              <a:t>04/02/2019</a:t>
+              <a:t>11/02/2019</a:t>
             </a:fld>
             <a:endParaRPr lang="fr-FR"/>
           </a:p>
@@ -820,7 +821,7 @@
           <a:p>
             <a:fld id="{269D5B8D-B445-48D1-8F20-1F048D987637}" type="datetime1">
               <a:rPr lang="fr-FR" smtClean="0"/>
-              <a:t>04/02/2019</a:t>
+              <a:t>11/02/2019</a:t>
             </a:fld>
             <a:endParaRPr lang="fr-FR"/>
           </a:p>
@@ -1031,7 +1032,7 @@
           <a:p>
             <a:fld id="{0517ED16-C07A-415E-96C0-BAEE99F30AEA}" type="datetime1">
               <a:rPr lang="fr-FR" smtClean="0"/>
-              <a:t>04/02/2019</a:t>
+              <a:t>11/02/2019</a:t>
             </a:fld>
             <a:endParaRPr lang="fr-FR"/>
           </a:p>
@@ -1232,7 +1233,7 @@
           <a:p>
             <a:fld id="{4DE1A232-7BBF-45E7-9248-C0E978512807}" type="datetime1">
               <a:rPr lang="fr-FR" smtClean="0"/>
-              <a:t>04/02/2019</a:t>
+              <a:t>11/02/2019</a:t>
             </a:fld>
             <a:endParaRPr lang="fr-FR"/>
           </a:p>
@@ -1510,7 +1511,7 @@
           <a:p>
             <a:fld id="{EB886147-8AE6-4BFC-84E9-0FE5C2E103A7}" type="datetime1">
               <a:rPr lang="fr-FR" smtClean="0"/>
-              <a:t>04/02/2019</a:t>
+              <a:t>11/02/2019</a:t>
             </a:fld>
             <a:endParaRPr lang="fr-FR"/>
           </a:p>
@@ -1778,7 +1779,7 @@
           <a:p>
             <a:fld id="{4051A1D5-3000-49E4-8E60-E2AE15318AD4}" type="datetime1">
               <a:rPr lang="fr-FR" smtClean="0"/>
-              <a:t>04/02/2019</a:t>
+              <a:t>11/02/2019</a:t>
             </a:fld>
             <a:endParaRPr lang="fr-FR"/>
           </a:p>
@@ -2193,7 +2194,7 @@
           <a:p>
             <a:fld id="{177DBD6F-5AD8-463A-B699-3138923E7C07}" type="datetime1">
               <a:rPr lang="fr-FR" smtClean="0"/>
-              <a:t>04/02/2019</a:t>
+              <a:t>11/02/2019</a:t>
             </a:fld>
             <a:endParaRPr lang="fr-FR"/>
           </a:p>
@@ -2337,7 +2338,7 @@
           <a:p>
             <a:fld id="{D95AF130-8D25-4A27-89B7-16138A10AE49}" type="datetime1">
               <a:rPr lang="fr-FR" smtClean="0"/>
-              <a:t>04/02/2019</a:t>
+              <a:t>11/02/2019</a:t>
             </a:fld>
             <a:endParaRPr lang="fr-FR"/>
           </a:p>
@@ -2453,7 +2454,7 @@
           <a:p>
             <a:fld id="{02122D6D-8FC6-4866-B59F-F95A83817024}" type="datetime1">
               <a:rPr lang="fr-FR" smtClean="0"/>
-              <a:t>04/02/2019</a:t>
+              <a:t>11/02/2019</a:t>
             </a:fld>
             <a:endParaRPr lang="fr-FR"/>
           </a:p>
@@ -2767,7 +2768,7 @@
           <a:p>
             <a:fld id="{B74071B4-0A88-439F-9FBA-4D386657E269}" type="datetime1">
               <a:rPr lang="fr-FR" smtClean="0"/>
-              <a:t>04/02/2019</a:t>
+              <a:t>11/02/2019</a:t>
             </a:fld>
             <a:endParaRPr lang="fr-FR"/>
           </a:p>
@@ -3058,7 +3059,7 @@
           <a:p>
             <a:fld id="{EADBA20E-1860-497D-B3F7-75951EFF56BD}" type="datetime1">
               <a:rPr lang="fr-FR" smtClean="0"/>
-              <a:t>04/02/2019</a:t>
+              <a:t>11/02/2019</a:t>
             </a:fld>
             <a:endParaRPr lang="fr-FR"/>
           </a:p>
@@ -3302,7 +3303,7 @@
           <a:p>
             <a:fld id="{8959FE70-19E9-4614-A7F1-9C75B1707510}" type="datetime1">
               <a:rPr lang="fr-FR" smtClean="0"/>
-              <a:t>04/02/2019</a:t>
+              <a:t>11/02/2019</a:t>
             </a:fld>
             <a:endParaRPr lang="fr-FR"/>
           </a:p>
@@ -3951,6 +3952,254 @@
 </p:sld>
 </file>
 
+<file path=ppt/slides/slide10.xml><?xml version="1.0" encoding="utf-8"?>
+<p:sld xmlns:a="http://schemas.openxmlformats.org/drawingml/2006/main" xmlns:r="http://schemas.openxmlformats.org/officeDocument/2006/relationships" xmlns:p="http://schemas.openxmlformats.org/presentationml/2006/main">
+  <p:cSld>
+    <p:spTree>
+      <p:nvGrpSpPr>
+        <p:cNvPr id="1" name=""/>
+        <p:cNvGrpSpPr/>
+        <p:nvPr/>
+      </p:nvGrpSpPr>
+      <p:grpSpPr>
+        <a:xfrm>
+          <a:off x="0" y="0"/>
+          <a:ext cx="0" cy="0"/>
+          <a:chOff x="0" y="0"/>
+          <a:chExt cx="0" cy="0"/>
+        </a:xfrm>
+      </p:grpSpPr>
+      <p:sp>
+        <p:nvSpPr>
+          <p:cNvPr id="2" name="Titre 1">
+            <a:extLst>
+              <a:ext uri="{FF2B5EF4-FFF2-40B4-BE49-F238E27FC236}">
+                <a16:creationId xmlns:a16="http://schemas.microsoft.com/office/drawing/2014/main" id="{2F924C88-16A6-4DBE-9026-F1E6C209430D}"/>
+              </a:ext>
+            </a:extLst>
+          </p:cNvPr>
+          <p:cNvSpPr txBox="1">
+            <a:spLocks/>
+          </p:cNvSpPr>
+          <p:nvPr/>
+        </p:nvSpPr>
+        <p:spPr>
+          <a:xfrm>
+            <a:off x="838200" y="0"/>
+            <a:ext cx="10515600" cy="1325563"/>
+          </a:xfrm>
+          <a:prstGeom prst="rect">
+            <a:avLst/>
+          </a:prstGeom>
+        </p:spPr>
+        <p:txBody>
+          <a:bodyPr>
+            <a:normAutofit/>
+          </a:bodyPr>
+          <a:lstStyle>
+            <a:lvl1pPr algn="l" defTabSz="914400" rtl="0" eaLnBrk="1" latinLnBrk="0" hangingPunct="1">
+              <a:lnSpc>
+                <a:spcPct val="90000"/>
+              </a:lnSpc>
+              <a:spcBef>
+                <a:spcPct val="0"/>
+              </a:spcBef>
+              <a:buNone/>
+              <a:defRPr sz="4400" kern="1200">
+                <a:solidFill>
+                  <a:schemeClr val="tx1"/>
+                </a:solidFill>
+                <a:latin typeface="+mj-lt"/>
+                <a:ea typeface="+mj-ea"/>
+                <a:cs typeface="+mj-cs"/>
+              </a:defRPr>
+            </a:lvl1pPr>
+          </a:lstStyle>
+          <a:p>
+            <a:pPr algn="ctr"/>
+            <a:r>
+              <a:rPr lang="fr-FR" sz="5400" dirty="0"/>
+              <a:t>1</a:t>
+            </a:r>
+            <a:r>
+              <a:rPr lang="fr-FR" sz="5400" baseline="30000" dirty="0"/>
+              <a:t>ère</a:t>
+            </a:r>
+            <a:r>
+              <a:rPr lang="fr-FR" sz="5400" dirty="0"/>
+              <a:t> étape: déclaration de la méthode</a:t>
+            </a:r>
+          </a:p>
+        </p:txBody>
+      </p:sp>
+      <p:pic>
+        <p:nvPicPr>
+          <p:cNvPr id="3" name="Image 2">
+            <a:extLst>
+              <a:ext uri="{FF2B5EF4-FFF2-40B4-BE49-F238E27FC236}">
+                <a16:creationId xmlns:a16="http://schemas.microsoft.com/office/drawing/2014/main" id="{A072B12B-5E00-4C86-A028-9533BF86A8EA}"/>
+              </a:ext>
+            </a:extLst>
+          </p:cNvPr>
+          <p:cNvPicPr>
+            <a:picLocks noChangeAspect="1"/>
+          </p:cNvPicPr>
+          <p:nvPr/>
+        </p:nvPicPr>
+        <p:blipFill rotWithShape="1">
+          <a:blip r:embed="rId2"/>
+          <a:srcRect b="31354"/>
+          <a:stretch/>
+        </p:blipFill>
+        <p:spPr>
+          <a:xfrm>
+            <a:off x="981032" y="956595"/>
+            <a:ext cx="10229936" cy="1325564"/>
+          </a:xfrm>
+          <a:prstGeom prst="rect">
+            <a:avLst/>
+          </a:prstGeom>
+        </p:spPr>
+      </p:pic>
+      <p:sp>
+        <p:nvSpPr>
+          <p:cNvPr id="4" name="ZoneTexte 3">
+            <a:extLst>
+              <a:ext uri="{FF2B5EF4-FFF2-40B4-BE49-F238E27FC236}">
+                <a16:creationId xmlns:a16="http://schemas.microsoft.com/office/drawing/2014/main" id="{77FC05B5-FAFD-4B2A-8456-2AAD203708A0}"/>
+              </a:ext>
+            </a:extLst>
+          </p:cNvPr>
+          <p:cNvSpPr txBox="1"/>
+          <p:nvPr/>
+        </p:nvSpPr>
+        <p:spPr>
+          <a:xfrm>
+            <a:off x="0" y="2282158"/>
+            <a:ext cx="11742821" cy="4552978"/>
+          </a:xfrm>
+          <a:prstGeom prst="rect">
+            <a:avLst/>
+          </a:prstGeom>
+          <a:noFill/>
+        </p:spPr>
+        <p:txBody>
+          <a:bodyPr wrap="square" rtlCol="0">
+            <a:spAutoFit/>
+          </a:bodyPr>
+          <a:lstStyle/>
+          <a:p>
+            <a:pPr marL="457200" indent="-457200" algn="just">
+              <a:buFont typeface="Arial" panose="020B0604020202020204" pitchFamily="34" charset="0"/>
+              <a:buChar char="•"/>
+            </a:pPr>
+            <a:r>
+              <a:rPr lang="fr-FR" sz="2800" i="1" dirty="0" err="1"/>
+              <a:t>IEnumerable</a:t>
+            </a:r>
+            <a:r>
+              <a:rPr lang="fr-FR" sz="2800" i="1" dirty="0"/>
+              <a:t>&lt;T&gt;</a:t>
+            </a:r>
+            <a:r>
+              <a:rPr lang="fr-FR" sz="2800" dirty="0"/>
+              <a:t>  est une interface dont toutes les listes génériques de </a:t>
+            </a:r>
+            <a:r>
+              <a:rPr lang="fr-FR" sz="2800" i="1" dirty="0"/>
+              <a:t>C#</a:t>
+            </a:r>
+            <a:r>
+              <a:rPr lang="fr-FR" sz="2800" dirty="0"/>
+              <a:t> héritent. Il faut donc que notre méthode en soit une extension.</a:t>
+            </a:r>
+            <a:endParaRPr lang="fr-FR" sz="4800" dirty="0"/>
+          </a:p>
+          <a:p>
+            <a:pPr marL="457200" indent="-457200" algn="just">
+              <a:lnSpc>
+                <a:spcPct val="150000"/>
+              </a:lnSpc>
+              <a:buFont typeface="Arial" panose="020B0604020202020204" pitchFamily="34" charset="0"/>
+              <a:buChar char="•"/>
+            </a:pPr>
+            <a:r>
+              <a:rPr lang="fr-FR" sz="2800" dirty="0"/>
+              <a:t>Le &lt;T&gt; indique la généricité (T est une convention)</a:t>
+            </a:r>
+          </a:p>
+          <a:p>
+            <a:pPr marL="457200" indent="-457200" algn="just">
+              <a:buFont typeface="Arial" panose="020B0604020202020204" pitchFamily="34" charset="0"/>
+              <a:buChar char="•"/>
+            </a:pPr>
+            <a:r>
+              <a:rPr lang="fr-FR" sz="2800" dirty="0"/>
+              <a:t>Après le nom de la méthode nous indiquons entre chevrons tous les types génériques que cette méthode va devoir gérer (ici il n’y en a qu’un)</a:t>
+            </a:r>
+          </a:p>
+          <a:p>
+            <a:pPr marL="457200" indent="-457200" algn="just">
+              <a:buFont typeface="Arial" panose="020B0604020202020204" pitchFamily="34" charset="0"/>
+              <a:buChar char="•"/>
+            </a:pPr>
+            <a:r>
+              <a:rPr lang="fr-FR" sz="2800" dirty="0"/>
+              <a:t>« </a:t>
+            </a:r>
+            <a:r>
+              <a:rPr lang="fr-FR" sz="2800" dirty="0" err="1"/>
+              <a:t>this</a:t>
+            </a:r>
+            <a:r>
+              <a:rPr lang="fr-FR" sz="2800" dirty="0"/>
+              <a:t> » parce que le premier argument est l’objet lui-même auquel on appliquera notre méthode, et sera donc de type </a:t>
+            </a:r>
+            <a:r>
+              <a:rPr lang="fr-FR" sz="2800" dirty="0" err="1"/>
+              <a:t>IEnumerable</a:t>
+            </a:r>
+            <a:r>
+              <a:rPr lang="fr-FR" sz="2800" dirty="0"/>
+              <a:t> &lt;T&gt; générique</a:t>
+            </a:r>
+          </a:p>
+          <a:p>
+            <a:pPr marL="457200" indent="-457200" algn="just">
+              <a:lnSpc>
+                <a:spcPct val="150000"/>
+              </a:lnSpc>
+              <a:buFont typeface="Arial" panose="020B0604020202020204" pitchFamily="34" charset="0"/>
+              <a:buChar char="•"/>
+            </a:pPr>
+            <a:r>
+              <a:rPr lang="fr-FR" sz="2800" dirty="0"/>
+              <a:t>Et le dernier argument est un </a:t>
+            </a:r>
+            <a:r>
+              <a:rPr lang="fr-FR" sz="2800" dirty="0" err="1"/>
+              <a:t>delegate</a:t>
+            </a:r>
+            <a:r>
+              <a:rPr lang="fr-FR" sz="2800" dirty="0"/>
+              <a:t>  prenant un objet de type T et renvoyant un booléen</a:t>
+            </a:r>
+          </a:p>
+        </p:txBody>
+      </p:sp>
+    </p:spTree>
+    <p:extLst>
+      <p:ext uri="{BB962C8B-B14F-4D97-AF65-F5344CB8AC3E}">
+        <p14:creationId xmlns:p14="http://schemas.microsoft.com/office/powerpoint/2010/main" val="2475026424"/>
+      </p:ext>
+    </p:extLst>
+  </p:cSld>
+  <p:clrMapOvr>
+    <a:masterClrMapping/>
+  </p:clrMapOvr>
+</p:sld>
+</file>
+
 <file path=ppt/slides/slide2.xml><?xml version="1.0" encoding="utf-8"?>
 <p:sld xmlns:a="http://schemas.openxmlformats.org/drawingml/2006/main" xmlns:r="http://schemas.openxmlformats.org/officeDocument/2006/relationships" xmlns:p="http://schemas.openxmlformats.org/presentationml/2006/main">
   <p:cSld>
@@ -4170,7 +4419,15 @@
             </a:r>
             <a:r>
               <a:rPr lang="fr-FR" dirty="0"/>
-              <a:t> » ce qui détecte et indique les erreurs en direct lors de l’écriture du code. </a:t>
+              <a:t> » ce qui détecte et </a:t>
+            </a:r>
+            <a:r>
+              <a:rPr lang="fr-FR" noProof="0" dirty="0"/>
+              <a:t>indique</a:t>
+            </a:r>
+            <a:r>
+              <a:rPr lang="fr-FR" dirty="0"/>
+              <a:t> les erreurs en direct lors de l’écriture du code. </a:t>
             </a:r>
           </a:p>
           <a:p>
@@ -4788,17 +5045,6 @@
               </a:spcAft>
             </a:pPr>
             <a:r>
-              <a:rPr lang="en-US" sz="4800" kern="1200" dirty="0" err="1">
-                <a:solidFill>
-                  <a:srgbClr val="FFFFFF"/>
-                </a:solidFill>
-                <a:latin typeface="+mj-lt"/>
-                <a:ea typeface="+mj-ea"/>
-                <a:cs typeface="+mj-cs"/>
-              </a:rPr>
-              <a:t>Créer</a:t>
-            </a:r>
-            <a:r>
               <a:rPr lang="en-US" sz="4800" kern="1200" dirty="0">
                 <a:solidFill>
                   <a:srgbClr val="FFFFFF"/>
@@ -4807,7 +5053,7 @@
                 <a:ea typeface="+mj-ea"/>
                 <a:cs typeface="+mj-cs"/>
               </a:rPr>
-              <a:t> </a:t>
+              <a:t>Créer </a:t>
             </a:r>
             <a:r>
               <a:rPr lang="en-US" sz="4800" kern="1200" dirty="0" err="1">
@@ -5191,7 +5437,7 @@
               </a:spcAft>
             </a:pPr>
             <a:r>
-              <a:rPr lang="en-US" sz="4800" kern="1200">
+              <a:rPr lang="en-US" sz="4800" kern="1200" dirty="0">
                 <a:solidFill>
                   <a:srgbClr val="FFFFFF"/>
                 </a:solidFill>
@@ -5199,8 +5445,71 @@
                 <a:ea typeface="+mj-ea"/>
                 <a:cs typeface="+mj-cs"/>
               </a:rPr>
-              <a:t>Créer une classe générique</a:t>
-            </a:r>
+              <a:t>Créer </a:t>
+            </a:r>
+            <a:r>
+              <a:rPr lang="en-US" sz="4800" kern="1200" dirty="0" err="1">
+                <a:solidFill>
+                  <a:srgbClr val="FFFFFF"/>
+                </a:solidFill>
+                <a:latin typeface="+mj-lt"/>
+                <a:ea typeface="+mj-ea"/>
+                <a:cs typeface="+mj-cs"/>
+              </a:rPr>
+              <a:t>une</a:t>
+            </a:r>
+            <a:r>
+              <a:rPr lang="en-US" sz="4800" kern="1200" dirty="0">
+                <a:solidFill>
+                  <a:srgbClr val="FFFFFF"/>
+                </a:solidFill>
+                <a:latin typeface="+mj-lt"/>
+                <a:ea typeface="+mj-ea"/>
+                <a:cs typeface="+mj-cs"/>
+              </a:rPr>
+              <a:t> </a:t>
+            </a:r>
+            <a:r>
+              <a:rPr lang="en-US" sz="4800" kern="1200" dirty="0" err="1">
+                <a:solidFill>
+                  <a:srgbClr val="FFFFFF"/>
+                </a:solidFill>
+                <a:latin typeface="+mj-lt"/>
+                <a:ea typeface="+mj-ea"/>
+                <a:cs typeface="+mj-cs"/>
+              </a:rPr>
+              <a:t>classe</a:t>
+            </a:r>
+            <a:r>
+              <a:rPr lang="en-US" sz="4800" kern="1200" dirty="0">
+                <a:solidFill>
+                  <a:srgbClr val="FFFFFF"/>
+                </a:solidFill>
+                <a:latin typeface="+mj-lt"/>
+                <a:ea typeface="+mj-ea"/>
+                <a:cs typeface="+mj-cs"/>
+              </a:rPr>
+              <a:t> </a:t>
+            </a:r>
+            <a:r>
+              <a:rPr lang="en-US" sz="4800" kern="1200" dirty="0" err="1">
+                <a:solidFill>
+                  <a:srgbClr val="FFFFFF"/>
+                </a:solidFill>
+                <a:latin typeface="+mj-lt"/>
+                <a:ea typeface="+mj-ea"/>
+                <a:cs typeface="+mj-cs"/>
+              </a:rPr>
+              <a:t>générique</a:t>
+            </a:r>
+            <a:endParaRPr lang="en-US" sz="4800" kern="1200" dirty="0">
+              <a:solidFill>
+                <a:srgbClr val="FFFFFF"/>
+              </a:solidFill>
+              <a:latin typeface="+mj-lt"/>
+              <a:ea typeface="+mj-ea"/>
+              <a:cs typeface="+mj-cs"/>
+            </a:endParaRPr>
           </a:p>
         </p:txBody>
       </p:sp>
@@ -5512,7 +5821,7 @@
               </a:spcAft>
             </a:pPr>
             <a:r>
-              <a:rPr lang="en-US" kern="1200" dirty="0" err="1">
+              <a:rPr lang="fr-FR" kern="1200" dirty="0">
                 <a:solidFill>
                   <a:srgbClr val="FFFFFF"/>
                 </a:solidFill>
@@ -5520,82 +5829,8 @@
                 <a:ea typeface="+mj-ea"/>
                 <a:cs typeface="+mj-cs"/>
               </a:rPr>
-              <a:t>Créer</a:t>
-            </a:r>
-            <a:r>
-              <a:rPr lang="en-US" kern="1200" dirty="0">
-                <a:solidFill>
-                  <a:srgbClr val="FFFFFF"/>
-                </a:solidFill>
-                <a:latin typeface="+mj-lt"/>
-                <a:ea typeface="+mj-ea"/>
-                <a:cs typeface="+mj-cs"/>
-              </a:rPr>
-              <a:t> </a:t>
-            </a:r>
-            <a:r>
-              <a:rPr lang="en-US" kern="1200" dirty="0" err="1">
-                <a:solidFill>
-                  <a:srgbClr val="FFFFFF"/>
-                </a:solidFill>
-                <a:latin typeface="+mj-lt"/>
-                <a:ea typeface="+mj-ea"/>
-                <a:cs typeface="+mj-cs"/>
-              </a:rPr>
-              <a:t>une</a:t>
-            </a:r>
-            <a:r>
-              <a:rPr lang="en-US" kern="1200" dirty="0">
-                <a:solidFill>
-                  <a:srgbClr val="FFFFFF"/>
-                </a:solidFill>
-                <a:latin typeface="+mj-lt"/>
-                <a:ea typeface="+mj-ea"/>
-                <a:cs typeface="+mj-cs"/>
-              </a:rPr>
-              <a:t> </a:t>
-            </a:r>
-            <a:r>
-              <a:rPr lang="en-US" kern="1200" dirty="0" err="1">
-                <a:solidFill>
-                  <a:srgbClr val="FFFFFF"/>
-                </a:solidFill>
-                <a:latin typeface="+mj-lt"/>
-                <a:ea typeface="+mj-ea"/>
-                <a:cs typeface="+mj-cs"/>
-              </a:rPr>
-              <a:t>méthode</a:t>
-            </a:r>
-            <a:r>
-              <a:rPr lang="en-US" kern="1200" dirty="0">
-                <a:solidFill>
-                  <a:srgbClr val="FFFFFF"/>
-                </a:solidFill>
-                <a:latin typeface="+mj-lt"/>
-                <a:ea typeface="+mj-ea"/>
-                <a:cs typeface="+mj-cs"/>
-              </a:rPr>
-              <a:t> </a:t>
-            </a:r>
-            <a:r>
-              <a:rPr lang="en-US" kern="1200" dirty="0" err="1">
-                <a:solidFill>
-                  <a:srgbClr val="FFFFFF"/>
-                </a:solidFill>
-                <a:latin typeface="+mj-lt"/>
-                <a:ea typeface="+mj-ea"/>
-                <a:cs typeface="+mj-cs"/>
-              </a:rPr>
-              <a:t>générique</a:t>
-            </a:r>
-            <a:endParaRPr lang="en-US" kern="1200" dirty="0">
-              <a:solidFill>
-                <a:srgbClr val="FFFFFF"/>
-              </a:solidFill>
-              <a:latin typeface="+mj-lt"/>
-              <a:ea typeface="+mj-ea"/>
-              <a:cs typeface="+mj-cs"/>
-            </a:endParaRPr>
+              <a:t>Créer une méthode générique</a:t>
+            </a:r>
           </a:p>
         </p:txBody>
       </p:sp>
@@ -5711,6 +5946,316 @@
           <a:chExt cx="0" cy="0"/>
         </a:xfrm>
       </p:grpSpPr>
+      <p:sp>
+        <p:nvSpPr>
+          <p:cNvPr id="2" name="Titre 1">
+            <a:extLst>
+              <a:ext uri="{FF2B5EF4-FFF2-40B4-BE49-F238E27FC236}">
+                <a16:creationId xmlns:a16="http://schemas.microsoft.com/office/drawing/2014/main" id="{062CF678-E8C5-42EE-944E-E5AAA512AC2D}"/>
+              </a:ext>
+            </a:extLst>
+          </p:cNvPr>
+          <p:cNvSpPr txBox="1">
+            <a:spLocks/>
+          </p:cNvSpPr>
+          <p:nvPr/>
+        </p:nvSpPr>
+        <p:spPr>
+          <a:xfrm>
+            <a:off x="838200" y="0"/>
+            <a:ext cx="10515600" cy="1325563"/>
+          </a:xfrm>
+          <a:prstGeom prst="rect">
+            <a:avLst/>
+          </a:prstGeom>
+        </p:spPr>
+        <p:txBody>
+          <a:bodyPr>
+            <a:normAutofit/>
+          </a:bodyPr>
+          <a:lstStyle>
+            <a:lvl1pPr algn="l" defTabSz="914400" rtl="0" eaLnBrk="1" latinLnBrk="0" hangingPunct="1">
+              <a:lnSpc>
+                <a:spcPct val="90000"/>
+              </a:lnSpc>
+              <a:spcBef>
+                <a:spcPct val="0"/>
+              </a:spcBef>
+              <a:buNone/>
+              <a:defRPr sz="4400" kern="1200">
+                <a:solidFill>
+                  <a:schemeClr val="tx1"/>
+                </a:solidFill>
+                <a:latin typeface="+mj-lt"/>
+                <a:ea typeface="+mj-ea"/>
+                <a:cs typeface="+mj-cs"/>
+              </a:defRPr>
+            </a:lvl1pPr>
+          </a:lstStyle>
+          <a:p>
+            <a:pPr algn="ctr"/>
+            <a:r>
+              <a:rPr lang="fr-FR" sz="5400" dirty="0"/>
+              <a:t>Exercice d’exemple</a:t>
+            </a:r>
+          </a:p>
+        </p:txBody>
+      </p:sp>
+      <p:sp>
+        <p:nvSpPr>
+          <p:cNvPr id="4" name="ZoneTexte 3">
+            <a:extLst>
+              <a:ext uri="{FF2B5EF4-FFF2-40B4-BE49-F238E27FC236}">
+                <a16:creationId xmlns:a16="http://schemas.microsoft.com/office/drawing/2014/main" id="{DD0960D5-1CB2-415E-ABDA-97CF6A5ACE83}"/>
+              </a:ext>
+            </a:extLst>
+          </p:cNvPr>
+          <p:cNvSpPr txBox="1"/>
+          <p:nvPr/>
+        </p:nvSpPr>
+        <p:spPr>
+          <a:xfrm>
+            <a:off x="224589" y="893977"/>
+            <a:ext cx="11742821" cy="954107"/>
+          </a:xfrm>
+          <a:prstGeom prst="rect">
+            <a:avLst/>
+          </a:prstGeom>
+          <a:noFill/>
+        </p:spPr>
+        <p:txBody>
+          <a:bodyPr wrap="square" rtlCol="0">
+            <a:spAutoFit/>
+          </a:bodyPr>
+          <a:lstStyle/>
+          <a:p>
+            <a:r>
+              <a:rPr lang="fr-FR" sz="2800" dirty="0"/>
+              <a:t>Créer une classe d’individu puis recréer une méthode générique « </a:t>
+            </a:r>
+            <a:r>
+              <a:rPr lang="fr-FR" sz="2800" dirty="0" err="1"/>
+              <a:t>Where</a:t>
+            </a:r>
+            <a:r>
+              <a:rPr lang="fr-FR" sz="2800" dirty="0"/>
+              <a:t> » similaire à la méthode </a:t>
+            </a:r>
+            <a:r>
+              <a:rPr lang="fr-FR" sz="2800" dirty="0" err="1"/>
+              <a:t>Where</a:t>
+            </a:r>
+            <a:r>
+              <a:rPr lang="fr-FR" sz="2800" dirty="0"/>
+              <a:t> de LINQ ci-dessous:</a:t>
+            </a:r>
+            <a:endParaRPr lang="fr-FR" dirty="0"/>
+          </a:p>
+        </p:txBody>
+      </p:sp>
+      <p:pic>
+        <p:nvPicPr>
+          <p:cNvPr id="5" name="Image 4">
+            <a:extLst>
+              <a:ext uri="{FF2B5EF4-FFF2-40B4-BE49-F238E27FC236}">
+                <a16:creationId xmlns:a16="http://schemas.microsoft.com/office/drawing/2014/main" id="{7449A587-4EEF-4FAD-954B-C3788C1431E4}"/>
+              </a:ext>
+            </a:extLst>
+          </p:cNvPr>
+          <p:cNvPicPr>
+            <a:picLocks noChangeAspect="1"/>
+          </p:cNvPicPr>
+          <p:nvPr/>
+        </p:nvPicPr>
+        <p:blipFill>
+          <a:blip r:embed="rId2"/>
+          <a:stretch>
+            <a:fillRect/>
+          </a:stretch>
+        </p:blipFill>
+        <p:spPr>
+          <a:xfrm>
+            <a:off x="569822" y="2500694"/>
+            <a:ext cx="2943225" cy="1819275"/>
+          </a:xfrm>
+          <a:prstGeom prst="rect">
+            <a:avLst/>
+          </a:prstGeom>
+        </p:spPr>
+      </p:pic>
+      <p:pic>
+        <p:nvPicPr>
+          <p:cNvPr id="7" name="Image 6">
+            <a:extLst>
+              <a:ext uri="{FF2B5EF4-FFF2-40B4-BE49-F238E27FC236}">
+                <a16:creationId xmlns:a16="http://schemas.microsoft.com/office/drawing/2014/main" id="{24BB5A10-5230-4FCD-A37B-62AD5DDCEBFC}"/>
+              </a:ext>
+            </a:extLst>
+          </p:cNvPr>
+          <p:cNvPicPr>
+            <a:picLocks noChangeAspect="1"/>
+          </p:cNvPicPr>
+          <p:nvPr/>
+        </p:nvPicPr>
+        <p:blipFill>
+          <a:blip r:embed="rId3"/>
+          <a:stretch>
+            <a:fillRect/>
+          </a:stretch>
+        </p:blipFill>
+        <p:spPr>
+          <a:xfrm>
+            <a:off x="5143500" y="2643568"/>
+            <a:ext cx="6210300" cy="1533525"/>
+          </a:xfrm>
+          <a:prstGeom prst="rect">
+            <a:avLst/>
+          </a:prstGeom>
+        </p:spPr>
+      </p:pic>
+      <p:sp>
+        <p:nvSpPr>
+          <p:cNvPr id="8" name="ZoneTexte 7">
+            <a:extLst>
+              <a:ext uri="{FF2B5EF4-FFF2-40B4-BE49-F238E27FC236}">
+                <a16:creationId xmlns:a16="http://schemas.microsoft.com/office/drawing/2014/main" id="{144C88FA-1B02-420B-9826-EB11FD5EAC09}"/>
+              </a:ext>
+            </a:extLst>
+          </p:cNvPr>
+          <p:cNvSpPr txBox="1"/>
+          <p:nvPr/>
+        </p:nvSpPr>
+        <p:spPr>
+          <a:xfrm>
+            <a:off x="569822" y="1993990"/>
+            <a:ext cx="4422056" cy="369332"/>
+          </a:xfrm>
+          <a:prstGeom prst="rect">
+            <a:avLst/>
+          </a:prstGeom>
+          <a:noFill/>
+        </p:spPr>
+        <p:txBody>
+          <a:bodyPr wrap="square" rtlCol="0">
+            <a:spAutoFit/>
+          </a:bodyPr>
+          <a:lstStyle/>
+          <a:p>
+            <a:r>
+              <a:rPr lang="fr-FR" u="sng" dirty="0"/>
+              <a:t>Création de la classe:</a:t>
+            </a:r>
+          </a:p>
+        </p:txBody>
+      </p:sp>
+      <p:sp>
+        <p:nvSpPr>
+          <p:cNvPr id="9" name="ZoneTexte 8">
+            <a:extLst>
+              <a:ext uri="{FF2B5EF4-FFF2-40B4-BE49-F238E27FC236}">
+                <a16:creationId xmlns:a16="http://schemas.microsoft.com/office/drawing/2014/main" id="{684C58BA-A7F2-4B07-B838-4BD99B2B9F87}"/>
+              </a:ext>
+            </a:extLst>
+          </p:cNvPr>
+          <p:cNvSpPr txBox="1"/>
+          <p:nvPr/>
+        </p:nvSpPr>
+        <p:spPr>
+          <a:xfrm>
+            <a:off x="5143500" y="1993990"/>
+            <a:ext cx="4422056" cy="369332"/>
+          </a:xfrm>
+          <a:prstGeom prst="rect">
+            <a:avLst/>
+          </a:prstGeom>
+          <a:noFill/>
+        </p:spPr>
+        <p:txBody>
+          <a:bodyPr wrap="square" rtlCol="0">
+            <a:spAutoFit/>
+          </a:bodyPr>
+          <a:lstStyle/>
+          <a:p>
+            <a:r>
+              <a:rPr lang="fr-FR" u="sng" dirty="0"/>
+              <a:t>Création d’une liste:</a:t>
+            </a:r>
+          </a:p>
+        </p:txBody>
+      </p:sp>
+      <p:pic>
+        <p:nvPicPr>
+          <p:cNvPr id="10" name="Image 9">
+            <a:extLst>
+              <a:ext uri="{FF2B5EF4-FFF2-40B4-BE49-F238E27FC236}">
+                <a16:creationId xmlns:a16="http://schemas.microsoft.com/office/drawing/2014/main" id="{B99D7111-317E-4EEC-8A18-1C5C6A0F1F1C}"/>
+              </a:ext>
+            </a:extLst>
+          </p:cNvPr>
+          <p:cNvPicPr>
+            <a:picLocks noChangeAspect="1"/>
+          </p:cNvPicPr>
+          <p:nvPr/>
+        </p:nvPicPr>
+        <p:blipFill>
+          <a:blip r:embed="rId4"/>
+          <a:stretch>
+            <a:fillRect/>
+          </a:stretch>
+        </p:blipFill>
+        <p:spPr>
+          <a:xfrm>
+            <a:off x="2305050" y="4857966"/>
+            <a:ext cx="7277100" cy="1771650"/>
+          </a:xfrm>
+          <a:prstGeom prst="rect">
+            <a:avLst/>
+          </a:prstGeom>
+        </p:spPr>
+      </p:pic>
+      <p:sp>
+        <p:nvSpPr>
+          <p:cNvPr id="11" name="ZoneTexte 10">
+            <a:extLst>
+              <a:ext uri="{FF2B5EF4-FFF2-40B4-BE49-F238E27FC236}">
+                <a16:creationId xmlns:a16="http://schemas.microsoft.com/office/drawing/2014/main" id="{13516B1C-FB32-401F-80CA-48B0CD597210}"/>
+              </a:ext>
+            </a:extLst>
+          </p:cNvPr>
+          <p:cNvSpPr txBox="1"/>
+          <p:nvPr/>
+        </p:nvSpPr>
+        <p:spPr>
+          <a:xfrm>
+            <a:off x="2305050" y="4493100"/>
+            <a:ext cx="4422056" cy="369332"/>
+          </a:xfrm>
+          <a:prstGeom prst="rect">
+            <a:avLst/>
+          </a:prstGeom>
+          <a:noFill/>
+        </p:spPr>
+        <p:txBody>
+          <a:bodyPr wrap="square" rtlCol="0">
+            <a:spAutoFit/>
+          </a:bodyPr>
+          <a:lstStyle/>
+          <a:p>
+            <a:r>
+              <a:rPr lang="fr-FR" u="sng" dirty="0"/>
+              <a:t>Méthode </a:t>
+            </a:r>
+            <a:r>
+              <a:rPr lang="fr-FR" u="sng" dirty="0" err="1"/>
+              <a:t>Where</a:t>
+            </a:r>
+            <a:r>
+              <a:rPr lang="fr-FR" u="sng" dirty="0"/>
+              <a:t> à refaire:</a:t>
+            </a:r>
+          </a:p>
+        </p:txBody>
+      </p:sp>
     </p:spTree>
     <p:extLst>
       <p:ext uri="{BB962C8B-B14F-4D97-AF65-F5344CB8AC3E}">

--- a/ClasseC#.pptx
+++ b/ClasseC#.pptx
@@ -5,7 +5,7 @@
     <p:sldMasterId id="2147483648" r:id="rId1"/>
   </p:sldMasterIdLst>
   <p:notesMasterIdLst>
-    <p:notesMasterId r:id="rId12"/>
+    <p:notesMasterId r:id="rId15"/>
   </p:notesMasterIdLst>
   <p:sldIdLst>
     <p:sldId id="256" r:id="rId2"/>
@@ -18,6 +18,9 @@
     <p:sldId id="264" r:id="rId9"/>
     <p:sldId id="265" r:id="rId10"/>
     <p:sldId id="266" r:id="rId11"/>
+    <p:sldId id="267" r:id="rId12"/>
+    <p:sldId id="269" r:id="rId13"/>
+    <p:sldId id="268" r:id="rId14"/>
   </p:sldIdLst>
   <p:sldSz cx="12192000" cy="6858000"/>
   <p:notesSz cx="6858000" cy="9144000"/>
@@ -206,7 +209,7 @@
           <a:p>
             <a:fld id="{34F0CEED-F348-4186-A846-CE101DEC4B97}" type="datetimeFigureOut">
               <a:rPr lang="fr-FR" smtClean="0"/>
-              <a:t>11/02/2019</a:t>
+              <a:t>25/02/2019</a:t>
             </a:fld>
             <a:endParaRPr lang="fr-FR"/>
           </a:p>
@@ -620,7 +623,7 @@
           <a:p>
             <a:fld id="{72314DF7-7553-466E-B859-4F9C1D9A9B8F}" type="datetime1">
               <a:rPr lang="fr-FR" smtClean="0"/>
-              <a:t>11/02/2019</a:t>
+              <a:t>25/02/2019</a:t>
             </a:fld>
             <a:endParaRPr lang="fr-FR"/>
           </a:p>
@@ -821,7 +824,7 @@
           <a:p>
             <a:fld id="{269D5B8D-B445-48D1-8F20-1F048D987637}" type="datetime1">
               <a:rPr lang="fr-FR" smtClean="0"/>
-              <a:t>11/02/2019</a:t>
+              <a:t>25/02/2019</a:t>
             </a:fld>
             <a:endParaRPr lang="fr-FR"/>
           </a:p>
@@ -1032,7 +1035,7 @@
           <a:p>
             <a:fld id="{0517ED16-C07A-415E-96C0-BAEE99F30AEA}" type="datetime1">
               <a:rPr lang="fr-FR" smtClean="0"/>
-              <a:t>11/02/2019</a:t>
+              <a:t>25/02/2019</a:t>
             </a:fld>
             <a:endParaRPr lang="fr-FR"/>
           </a:p>
@@ -1233,7 +1236,7 @@
           <a:p>
             <a:fld id="{4DE1A232-7BBF-45E7-9248-C0E978512807}" type="datetime1">
               <a:rPr lang="fr-FR" smtClean="0"/>
-              <a:t>11/02/2019</a:t>
+              <a:t>25/02/2019</a:t>
             </a:fld>
             <a:endParaRPr lang="fr-FR"/>
           </a:p>
@@ -1511,7 +1514,7 @@
           <a:p>
             <a:fld id="{EB886147-8AE6-4BFC-84E9-0FE5C2E103A7}" type="datetime1">
               <a:rPr lang="fr-FR" smtClean="0"/>
-              <a:t>11/02/2019</a:t>
+              <a:t>25/02/2019</a:t>
             </a:fld>
             <a:endParaRPr lang="fr-FR"/>
           </a:p>
@@ -1779,7 +1782,7 @@
           <a:p>
             <a:fld id="{4051A1D5-3000-49E4-8E60-E2AE15318AD4}" type="datetime1">
               <a:rPr lang="fr-FR" smtClean="0"/>
-              <a:t>11/02/2019</a:t>
+              <a:t>25/02/2019</a:t>
             </a:fld>
             <a:endParaRPr lang="fr-FR"/>
           </a:p>
@@ -2194,7 +2197,7 @@
           <a:p>
             <a:fld id="{177DBD6F-5AD8-463A-B699-3138923E7C07}" type="datetime1">
               <a:rPr lang="fr-FR" smtClean="0"/>
-              <a:t>11/02/2019</a:t>
+              <a:t>25/02/2019</a:t>
             </a:fld>
             <a:endParaRPr lang="fr-FR"/>
           </a:p>
@@ -2338,7 +2341,7 @@
           <a:p>
             <a:fld id="{D95AF130-8D25-4A27-89B7-16138A10AE49}" type="datetime1">
               <a:rPr lang="fr-FR" smtClean="0"/>
-              <a:t>11/02/2019</a:t>
+              <a:t>25/02/2019</a:t>
             </a:fld>
             <a:endParaRPr lang="fr-FR"/>
           </a:p>
@@ -2454,7 +2457,7 @@
           <a:p>
             <a:fld id="{02122D6D-8FC6-4866-B59F-F95A83817024}" type="datetime1">
               <a:rPr lang="fr-FR" smtClean="0"/>
-              <a:t>11/02/2019</a:t>
+              <a:t>25/02/2019</a:t>
             </a:fld>
             <a:endParaRPr lang="fr-FR"/>
           </a:p>
@@ -2768,7 +2771,7 @@
           <a:p>
             <a:fld id="{B74071B4-0A88-439F-9FBA-4D386657E269}" type="datetime1">
               <a:rPr lang="fr-FR" smtClean="0"/>
-              <a:t>11/02/2019</a:t>
+              <a:t>25/02/2019</a:t>
             </a:fld>
             <a:endParaRPr lang="fr-FR"/>
           </a:p>
@@ -3059,7 +3062,7 @@
           <a:p>
             <a:fld id="{EADBA20E-1860-497D-B3F7-75951EFF56BD}" type="datetime1">
               <a:rPr lang="fr-FR" smtClean="0"/>
-              <a:t>11/02/2019</a:t>
+              <a:t>25/02/2019</a:t>
             </a:fld>
             <a:endParaRPr lang="fr-FR"/>
           </a:p>
@@ -3303,7 +3306,7 @@
           <a:p>
             <a:fld id="{8959FE70-19E9-4614-A7F1-9C75B1707510}" type="datetime1">
               <a:rPr lang="fr-FR" smtClean="0"/>
-              <a:t>11/02/2019</a:t>
+              <a:t>25/02/2019</a:t>
             </a:fld>
             <a:endParaRPr lang="fr-FR"/>
           </a:p>
@@ -4094,12 +4097,8 @@
               <a:buChar char="•"/>
             </a:pPr>
             <a:r>
-              <a:rPr lang="fr-FR" sz="2800" i="1" dirty="0" err="1"/>
-              <a:t>IEnumerable</a:t>
-            </a:r>
-            <a:r>
               <a:rPr lang="fr-FR" sz="2800" i="1" dirty="0"/>
-              <a:t>&lt;T&gt;</a:t>
+              <a:t>IEnumerable&lt;T&gt;</a:t>
             </a:r>
             <a:r>
               <a:rPr lang="fr-FR" sz="2800" dirty="0"/>
@@ -4145,23 +4144,7 @@
             </a:pPr>
             <a:r>
               <a:rPr lang="fr-FR" sz="2800" dirty="0"/>
-              <a:t>« </a:t>
-            </a:r>
-            <a:r>
-              <a:rPr lang="fr-FR" sz="2800" dirty="0" err="1"/>
-              <a:t>this</a:t>
-            </a:r>
-            <a:r>
-              <a:rPr lang="fr-FR" sz="2800" dirty="0"/>
-              <a:t> » parce que le premier argument est l’objet lui-même auquel on appliquera notre méthode, et sera donc de type </a:t>
-            </a:r>
-            <a:r>
-              <a:rPr lang="fr-FR" sz="2800" dirty="0" err="1"/>
-              <a:t>IEnumerable</a:t>
-            </a:r>
-            <a:r>
-              <a:rPr lang="fr-FR" sz="2800" dirty="0"/>
-              <a:t> &lt;T&gt; générique</a:t>
+              <a:t>« this » parce que le premier argument est l’objet lui-même auquel on appliquera notre méthode, et sera donc de type IEnumerable &lt;T&gt; générique</a:t>
             </a:r>
           </a:p>
           <a:p>
@@ -4174,15 +4157,7 @@
             </a:pPr>
             <a:r>
               <a:rPr lang="fr-FR" sz="2800" dirty="0"/>
-              <a:t>Et le dernier argument est un </a:t>
-            </a:r>
-            <a:r>
-              <a:rPr lang="fr-FR" sz="2800" dirty="0" err="1"/>
-              <a:t>delegate</a:t>
-            </a:r>
-            <a:r>
-              <a:rPr lang="fr-FR" sz="2800" dirty="0"/>
-              <a:t>  prenant un objet de type T et renvoyant un booléen</a:t>
+              <a:t>Et le dernier argument est un delegate  prenant un objet de type T et renvoyant un booléen. C’est la fonction qui contient la condition de renvoi des éléments.</a:t>
             </a:r>
           </a:p>
         </p:txBody>
@@ -4191,6 +4166,533 @@
     <p:extLst>
       <p:ext uri="{BB962C8B-B14F-4D97-AF65-F5344CB8AC3E}">
         <p14:creationId xmlns:p14="http://schemas.microsoft.com/office/powerpoint/2010/main" val="2475026424"/>
+      </p:ext>
+    </p:extLst>
+  </p:cSld>
+  <p:clrMapOvr>
+    <a:masterClrMapping/>
+  </p:clrMapOvr>
+</p:sld>
+</file>
+
+<file path=ppt/slides/slide11.xml><?xml version="1.0" encoding="utf-8"?>
+<p:sld xmlns:a="http://schemas.openxmlformats.org/drawingml/2006/main" xmlns:r="http://schemas.openxmlformats.org/officeDocument/2006/relationships" xmlns:p="http://schemas.openxmlformats.org/presentationml/2006/main">
+  <p:cSld>
+    <p:spTree>
+      <p:nvGrpSpPr>
+        <p:cNvPr id="1" name=""/>
+        <p:cNvGrpSpPr/>
+        <p:nvPr/>
+      </p:nvGrpSpPr>
+      <p:grpSpPr>
+        <a:xfrm>
+          <a:off x="0" y="0"/>
+          <a:ext cx="0" cy="0"/>
+          <a:chOff x="0" y="0"/>
+          <a:chExt cx="0" cy="0"/>
+        </a:xfrm>
+      </p:grpSpPr>
+      <p:sp>
+        <p:nvSpPr>
+          <p:cNvPr id="2" name="Titre 1">
+            <a:extLst>
+              <a:ext uri="{FF2B5EF4-FFF2-40B4-BE49-F238E27FC236}">
+                <a16:creationId xmlns:a16="http://schemas.microsoft.com/office/drawing/2014/main" id="{1B5FE6FD-9431-4465-9F1F-29AD65E01B7A}"/>
+              </a:ext>
+            </a:extLst>
+          </p:cNvPr>
+          <p:cNvSpPr txBox="1">
+            <a:spLocks/>
+          </p:cNvSpPr>
+          <p:nvPr/>
+        </p:nvSpPr>
+        <p:spPr>
+          <a:xfrm>
+            <a:off x="838200" y="0"/>
+            <a:ext cx="10515600" cy="1325563"/>
+          </a:xfrm>
+          <a:prstGeom prst="rect">
+            <a:avLst/>
+          </a:prstGeom>
+        </p:spPr>
+        <p:txBody>
+          <a:bodyPr>
+            <a:normAutofit/>
+          </a:bodyPr>
+          <a:lstStyle>
+            <a:lvl1pPr algn="l" defTabSz="914400" rtl="0" eaLnBrk="1" latinLnBrk="0" hangingPunct="1">
+              <a:lnSpc>
+                <a:spcPct val="90000"/>
+              </a:lnSpc>
+              <a:spcBef>
+                <a:spcPct val="0"/>
+              </a:spcBef>
+              <a:buNone/>
+              <a:defRPr sz="4400" kern="1200">
+                <a:solidFill>
+                  <a:schemeClr val="tx1"/>
+                </a:solidFill>
+                <a:latin typeface="+mj-lt"/>
+                <a:ea typeface="+mj-ea"/>
+                <a:cs typeface="+mj-cs"/>
+              </a:defRPr>
+            </a:lvl1pPr>
+          </a:lstStyle>
+          <a:p>
+            <a:pPr algn="ctr"/>
+            <a:r>
+              <a:rPr lang="fr-FR" sz="5400" dirty="0"/>
+              <a:t>2</a:t>
+            </a:r>
+            <a:r>
+              <a:rPr lang="fr-FR" sz="5400" baseline="30000" dirty="0"/>
+              <a:t>ème</a:t>
+            </a:r>
+            <a:r>
+              <a:rPr lang="fr-FR" sz="5400" dirty="0"/>
+              <a:t> étape: contenu de la méthode</a:t>
+            </a:r>
+          </a:p>
+        </p:txBody>
+      </p:sp>
+      <p:sp>
+        <p:nvSpPr>
+          <p:cNvPr id="3" name="ZoneTexte 2">
+            <a:extLst>
+              <a:ext uri="{FF2B5EF4-FFF2-40B4-BE49-F238E27FC236}">
+                <a16:creationId xmlns:a16="http://schemas.microsoft.com/office/drawing/2014/main" id="{2823869E-43DE-436A-8DAD-FF9A13CB68DA}"/>
+              </a:ext>
+            </a:extLst>
+          </p:cNvPr>
+          <p:cNvSpPr txBox="1"/>
+          <p:nvPr/>
+        </p:nvSpPr>
+        <p:spPr>
+          <a:xfrm>
+            <a:off x="644434" y="1070806"/>
+            <a:ext cx="10903132" cy="1061829"/>
+          </a:xfrm>
+          <a:prstGeom prst="rect">
+            <a:avLst/>
+          </a:prstGeom>
+          <a:noFill/>
+        </p:spPr>
+        <p:txBody>
+          <a:bodyPr wrap="square" rtlCol="0">
+            <a:spAutoFit/>
+          </a:bodyPr>
+          <a:lstStyle/>
+          <a:p>
+            <a:pPr algn="just"/>
+            <a:r>
+              <a:rPr lang="fr-FR" sz="2100" dirty="0"/>
+              <a:t>Notre fonction doit parcourir tous les objets de la collection, tester une condition sur chacun de ces objets et les inclure dans le résultat renvoyé si la condition est respectée. La condition qui elle est contenue dans le delegate, deuxième argument de notre méthode.</a:t>
+            </a:r>
+          </a:p>
+        </p:txBody>
+      </p:sp>
+      <p:pic>
+        <p:nvPicPr>
+          <p:cNvPr id="4" name="Image 3">
+            <a:extLst>
+              <a:ext uri="{FF2B5EF4-FFF2-40B4-BE49-F238E27FC236}">
+                <a16:creationId xmlns:a16="http://schemas.microsoft.com/office/drawing/2014/main" id="{7A45D6C2-D291-4B97-A93B-A41C575E864B}"/>
+              </a:ext>
+            </a:extLst>
+          </p:cNvPr>
+          <p:cNvPicPr>
+            <a:picLocks noChangeAspect="1"/>
+          </p:cNvPicPr>
+          <p:nvPr/>
+        </p:nvPicPr>
+        <p:blipFill>
+          <a:blip r:embed="rId2"/>
+          <a:stretch>
+            <a:fillRect/>
+          </a:stretch>
+        </p:blipFill>
+        <p:spPr>
+          <a:xfrm>
+            <a:off x="838200" y="2396369"/>
+            <a:ext cx="6096000" cy="1838325"/>
+          </a:xfrm>
+          <a:prstGeom prst="rect">
+            <a:avLst/>
+          </a:prstGeom>
+        </p:spPr>
+      </p:pic>
+      <p:sp>
+        <p:nvSpPr>
+          <p:cNvPr id="6" name="ZoneTexte 5">
+            <a:extLst>
+              <a:ext uri="{FF2B5EF4-FFF2-40B4-BE49-F238E27FC236}">
+                <a16:creationId xmlns:a16="http://schemas.microsoft.com/office/drawing/2014/main" id="{0E098B36-323C-47FB-B2B5-9DF49E62FB40}"/>
+              </a:ext>
+            </a:extLst>
+          </p:cNvPr>
+          <p:cNvSpPr txBox="1"/>
+          <p:nvPr/>
+        </p:nvSpPr>
+        <p:spPr>
+          <a:xfrm>
+            <a:off x="644434" y="4432662"/>
+            <a:ext cx="11286308" cy="3016210"/>
+          </a:xfrm>
+          <a:prstGeom prst="rect">
+            <a:avLst/>
+          </a:prstGeom>
+          <a:noFill/>
+        </p:spPr>
+        <p:txBody>
+          <a:bodyPr wrap="square" rtlCol="0">
+            <a:spAutoFit/>
+          </a:bodyPr>
+          <a:lstStyle/>
+          <a:p>
+            <a:pPr marL="285750" indent="-285750" algn="just">
+              <a:buFont typeface="Arial" panose="020B0604020202020204" pitchFamily="34" charset="0"/>
+              <a:buChar char="•"/>
+            </a:pPr>
+            <a:r>
+              <a:rPr lang="fr-FR" sz="2100" dirty="0"/>
+              <a:t>Une boucle foreach pour parcourir toute la collection,</a:t>
+            </a:r>
+          </a:p>
+          <a:p>
+            <a:pPr marL="285750" indent="-285750" algn="just">
+              <a:buFont typeface="Arial" panose="020B0604020202020204" pitchFamily="34" charset="0"/>
+              <a:buChar char="•"/>
+            </a:pPr>
+            <a:r>
+              <a:rPr lang="fr-FR" sz="2100" dirty="0"/>
+              <a:t>On donne le nom « obj » a notre variable qui est du type « T » le type de la collection,</a:t>
+            </a:r>
+          </a:p>
+          <a:p>
+            <a:pPr marL="285750" indent="-285750" algn="just">
+              <a:buFont typeface="Arial" panose="020B0604020202020204" pitchFamily="34" charset="0"/>
+              <a:buChar char="•"/>
+            </a:pPr>
+            <a:r>
+              <a:rPr lang="fr-FR" sz="2100" dirty="0"/>
+              <a:t>in « source » qui correspond bien au nom de l’objet auquel on applique notre méthode (this) c’est-à-dire la collection,</a:t>
+            </a:r>
+          </a:p>
+          <a:p>
+            <a:pPr marL="285750" indent="-285750" algn="just">
+              <a:buFont typeface="Arial" panose="020B0604020202020204" pitchFamily="34" charset="0"/>
+              <a:buChar char="•"/>
+            </a:pPr>
+            <a:r>
+              <a:rPr lang="fr-FR" sz="2100" dirty="0"/>
+              <a:t>if (predicate(obj)) si l’objet passé dans le delegate renvoie true c’est-à-dire répond à la condition voulue,</a:t>
+            </a:r>
+          </a:p>
+          <a:p>
+            <a:pPr marL="285750" indent="-285750" algn="just">
+              <a:buFont typeface="Arial" panose="020B0604020202020204" pitchFamily="34" charset="0"/>
+              <a:buChar char="•"/>
+            </a:pPr>
+            <a:r>
+              <a:rPr lang="fr-FR" sz="2100" dirty="0"/>
+              <a:t>On retourne l’objet en question et ce pour tous les objets répondant à la condition.</a:t>
+            </a:r>
+          </a:p>
+          <a:p>
+            <a:pPr marL="285750" indent="-285750" algn="just">
+              <a:buFont typeface="Arial" panose="020B0604020202020204" pitchFamily="34" charset="0"/>
+              <a:buChar char="•"/>
+            </a:pPr>
+            <a:endParaRPr lang="fr-FR" dirty="0"/>
+          </a:p>
+          <a:p>
+            <a:pPr algn="just"/>
+            <a:endParaRPr lang="fr-FR" dirty="0"/>
+          </a:p>
+        </p:txBody>
+      </p:sp>
+    </p:spTree>
+    <p:extLst>
+      <p:ext uri="{BB962C8B-B14F-4D97-AF65-F5344CB8AC3E}">
+        <p14:creationId xmlns:p14="http://schemas.microsoft.com/office/powerpoint/2010/main" val="1493499044"/>
+      </p:ext>
+    </p:extLst>
+  </p:cSld>
+  <p:clrMapOvr>
+    <a:masterClrMapping/>
+  </p:clrMapOvr>
+</p:sld>
+</file>
+
+<file path=ppt/slides/slide12.xml><?xml version="1.0" encoding="utf-8"?>
+<p:sld xmlns:a="http://schemas.openxmlformats.org/drawingml/2006/main" xmlns:r="http://schemas.openxmlformats.org/officeDocument/2006/relationships" xmlns:p="http://schemas.openxmlformats.org/presentationml/2006/main">
+  <p:cSld>
+    <p:spTree>
+      <p:nvGrpSpPr>
+        <p:cNvPr id="1" name=""/>
+        <p:cNvGrpSpPr/>
+        <p:nvPr/>
+      </p:nvGrpSpPr>
+      <p:grpSpPr>
+        <a:xfrm>
+          <a:off x="0" y="0"/>
+          <a:ext cx="0" cy="0"/>
+          <a:chOff x="0" y="0"/>
+          <a:chExt cx="0" cy="0"/>
+        </a:xfrm>
+      </p:grpSpPr>
+      <p:sp>
+        <p:nvSpPr>
+          <p:cNvPr id="4" name="Titre 1">
+            <a:extLst>
+              <a:ext uri="{FF2B5EF4-FFF2-40B4-BE49-F238E27FC236}">
+                <a16:creationId xmlns:a16="http://schemas.microsoft.com/office/drawing/2014/main" id="{EB3E017C-B559-41A2-AC8E-2F5D786C5F50}"/>
+              </a:ext>
+            </a:extLst>
+          </p:cNvPr>
+          <p:cNvSpPr txBox="1">
+            <a:spLocks/>
+          </p:cNvSpPr>
+          <p:nvPr/>
+        </p:nvSpPr>
+        <p:spPr>
+          <a:xfrm>
+            <a:off x="838200" y="0"/>
+            <a:ext cx="10515600" cy="1325563"/>
+          </a:xfrm>
+          <a:prstGeom prst="rect">
+            <a:avLst/>
+          </a:prstGeom>
+        </p:spPr>
+        <p:txBody>
+          <a:bodyPr>
+            <a:normAutofit/>
+          </a:bodyPr>
+          <a:lstStyle>
+            <a:lvl1pPr algn="l" defTabSz="914400" rtl="0" eaLnBrk="1" latinLnBrk="0" hangingPunct="1">
+              <a:lnSpc>
+                <a:spcPct val="90000"/>
+              </a:lnSpc>
+              <a:spcBef>
+                <a:spcPct val="0"/>
+              </a:spcBef>
+              <a:buNone/>
+              <a:defRPr sz="4400" kern="1200">
+                <a:solidFill>
+                  <a:schemeClr val="tx1"/>
+                </a:solidFill>
+                <a:latin typeface="+mj-lt"/>
+                <a:ea typeface="+mj-ea"/>
+                <a:cs typeface="+mj-cs"/>
+              </a:defRPr>
+            </a:lvl1pPr>
+          </a:lstStyle>
+          <a:p>
+            <a:pPr algn="ctr"/>
+            <a:r>
+              <a:rPr lang="fr-FR" sz="5400" dirty="0"/>
+              <a:t>Test de la méthode</a:t>
+            </a:r>
+          </a:p>
+        </p:txBody>
+      </p:sp>
+      <p:pic>
+        <p:nvPicPr>
+          <p:cNvPr id="5" name="Image 4">
+            <a:extLst>
+              <a:ext uri="{FF2B5EF4-FFF2-40B4-BE49-F238E27FC236}">
+                <a16:creationId xmlns:a16="http://schemas.microsoft.com/office/drawing/2014/main" id="{656D9BCD-6CA1-41AD-BE99-933B7F963CD3}"/>
+              </a:ext>
+            </a:extLst>
+          </p:cNvPr>
+          <p:cNvPicPr>
+            <a:picLocks noChangeAspect="1"/>
+          </p:cNvPicPr>
+          <p:nvPr/>
+        </p:nvPicPr>
+        <p:blipFill>
+          <a:blip r:embed="rId2"/>
+          <a:stretch>
+            <a:fillRect/>
+          </a:stretch>
+        </p:blipFill>
+        <p:spPr>
+          <a:xfrm>
+            <a:off x="1585912" y="2484081"/>
+            <a:ext cx="9020175" cy="3905250"/>
+          </a:xfrm>
+          <a:prstGeom prst="rect">
+            <a:avLst/>
+          </a:prstGeom>
+        </p:spPr>
+      </p:pic>
+      <p:sp>
+        <p:nvSpPr>
+          <p:cNvPr id="6" name="ZoneTexte 5">
+            <a:extLst>
+              <a:ext uri="{FF2B5EF4-FFF2-40B4-BE49-F238E27FC236}">
+                <a16:creationId xmlns:a16="http://schemas.microsoft.com/office/drawing/2014/main" id="{3D2464C0-1F26-488D-B728-7F9420C97893}"/>
+              </a:ext>
+            </a:extLst>
+          </p:cNvPr>
+          <p:cNvSpPr txBox="1"/>
+          <p:nvPr/>
+        </p:nvSpPr>
+        <p:spPr>
+          <a:xfrm>
+            <a:off x="1390261" y="1129620"/>
+            <a:ext cx="9825135" cy="646331"/>
+          </a:xfrm>
+          <a:prstGeom prst="rect">
+            <a:avLst/>
+          </a:prstGeom>
+          <a:noFill/>
+        </p:spPr>
+        <p:txBody>
+          <a:bodyPr wrap="square" rtlCol="0">
+            <a:spAutoFit/>
+          </a:bodyPr>
+          <a:lstStyle/>
+          <a:p>
+            <a:r>
+              <a:rPr lang="fr-FR" dirty="0"/>
+              <a:t>On demande les individus dont le sexe est féminin et dont le prénom commence par C. Cela renvoie Christine et Camille, comme prévu. Notre méthode fonctionne comme prévu.</a:t>
+            </a:r>
+          </a:p>
+        </p:txBody>
+      </p:sp>
+    </p:spTree>
+    <p:extLst>
+      <p:ext uri="{BB962C8B-B14F-4D97-AF65-F5344CB8AC3E}">
+        <p14:creationId xmlns:p14="http://schemas.microsoft.com/office/powerpoint/2010/main" val="252712746"/>
+      </p:ext>
+    </p:extLst>
+  </p:cSld>
+  <p:clrMapOvr>
+    <a:masterClrMapping/>
+  </p:clrMapOvr>
+</p:sld>
+</file>
+
+<file path=ppt/slides/slide13.xml><?xml version="1.0" encoding="utf-8"?>
+<p:sld xmlns:a="http://schemas.openxmlformats.org/drawingml/2006/main" xmlns:r="http://schemas.openxmlformats.org/officeDocument/2006/relationships" xmlns:p="http://schemas.openxmlformats.org/presentationml/2006/main">
+  <p:cSld>
+    <p:spTree>
+      <p:nvGrpSpPr>
+        <p:cNvPr id="1" name=""/>
+        <p:cNvGrpSpPr/>
+        <p:nvPr/>
+      </p:nvGrpSpPr>
+      <p:grpSpPr>
+        <a:xfrm>
+          <a:off x="0" y="0"/>
+          <a:ext cx="0" cy="0"/>
+          <a:chOff x="0" y="0"/>
+          <a:chExt cx="0" cy="0"/>
+        </a:xfrm>
+      </p:grpSpPr>
+      <p:sp>
+        <p:nvSpPr>
+          <p:cNvPr id="2" name="Titre 1">
+            <a:extLst>
+              <a:ext uri="{FF2B5EF4-FFF2-40B4-BE49-F238E27FC236}">
+                <a16:creationId xmlns:a16="http://schemas.microsoft.com/office/drawing/2014/main" id="{2F09D42E-9A4C-49BE-9EA4-D59E89F84361}"/>
+              </a:ext>
+            </a:extLst>
+          </p:cNvPr>
+          <p:cNvSpPr txBox="1">
+            <a:spLocks/>
+          </p:cNvSpPr>
+          <p:nvPr/>
+        </p:nvSpPr>
+        <p:spPr>
+          <a:xfrm>
+            <a:off x="838200" y="0"/>
+            <a:ext cx="10515600" cy="1325563"/>
+          </a:xfrm>
+          <a:prstGeom prst="rect">
+            <a:avLst/>
+          </a:prstGeom>
+        </p:spPr>
+        <p:txBody>
+          <a:bodyPr>
+            <a:normAutofit/>
+          </a:bodyPr>
+          <a:lstStyle>
+            <a:lvl1pPr algn="l" defTabSz="914400" rtl="0" eaLnBrk="1" latinLnBrk="0" hangingPunct="1">
+              <a:lnSpc>
+                <a:spcPct val="90000"/>
+              </a:lnSpc>
+              <a:spcBef>
+                <a:spcPct val="0"/>
+              </a:spcBef>
+              <a:buNone/>
+              <a:defRPr sz="4400" kern="1200">
+                <a:solidFill>
+                  <a:schemeClr val="tx1"/>
+                </a:solidFill>
+                <a:latin typeface="+mj-lt"/>
+                <a:ea typeface="+mj-ea"/>
+                <a:cs typeface="+mj-cs"/>
+              </a:defRPr>
+            </a:lvl1pPr>
+          </a:lstStyle>
+          <a:p>
+            <a:pPr algn="ctr"/>
+            <a:r>
+              <a:rPr lang="fr-FR" sz="5400" dirty="0"/>
+              <a:t>Conclusion</a:t>
+            </a:r>
+          </a:p>
+        </p:txBody>
+      </p:sp>
+      <p:sp>
+        <p:nvSpPr>
+          <p:cNvPr id="3" name="ZoneTexte 2">
+            <a:extLst>
+              <a:ext uri="{FF2B5EF4-FFF2-40B4-BE49-F238E27FC236}">
+                <a16:creationId xmlns:a16="http://schemas.microsoft.com/office/drawing/2014/main" id="{8F0D99D5-6C7D-4DC7-87F2-7081D8235696}"/>
+              </a:ext>
+            </a:extLst>
+          </p:cNvPr>
+          <p:cNvSpPr txBox="1"/>
+          <p:nvPr/>
+        </p:nvSpPr>
+        <p:spPr>
+          <a:xfrm>
+            <a:off x="838200" y="1325563"/>
+            <a:ext cx="9588137" cy="1938992"/>
+          </a:xfrm>
+          <a:prstGeom prst="rect">
+            <a:avLst/>
+          </a:prstGeom>
+          <a:noFill/>
+        </p:spPr>
+        <p:txBody>
+          <a:bodyPr wrap="square" rtlCol="0">
+            <a:spAutoFit/>
+          </a:bodyPr>
+          <a:lstStyle/>
+          <a:p>
+            <a:r>
+              <a:rPr lang="fr-FR" sz="2400" dirty="0"/>
+              <a:t>Les génériques sont une des plus importantes nouveautés en </a:t>
+            </a:r>
+            <a:r>
+              <a:rPr lang="fr-FR" sz="2400" i="1" dirty="0"/>
+              <a:t>C#</a:t>
+            </a:r>
+            <a:r>
+              <a:rPr lang="fr-FR" sz="2400" dirty="0"/>
+              <a:t>. Ils permettent de résoudre un problème assez ennuyant auquel n’importe quel programmeur a déjà été confronté : la généricité. Ils ont de nombreux avantages et peu d’inconvénients et seront indispensables si l’on veut coder quelque chose d’assez développé en C#.</a:t>
+            </a:r>
+          </a:p>
+        </p:txBody>
+      </p:sp>
+    </p:spTree>
+    <p:extLst>
+      <p:ext uri="{BB962C8B-B14F-4D97-AF65-F5344CB8AC3E}">
+        <p14:creationId xmlns:p14="http://schemas.microsoft.com/office/powerpoint/2010/main" val="4163585371"/>
       </p:ext>
     </p:extLst>
   </p:cSld>
@@ -6183,12 +6685,55 @@
           </a:p>
         </p:txBody>
       </p:sp>
+      <p:sp>
+        <p:nvSpPr>
+          <p:cNvPr id="11" name="ZoneTexte 10">
+            <a:extLst>
+              <a:ext uri="{FF2B5EF4-FFF2-40B4-BE49-F238E27FC236}">
+                <a16:creationId xmlns:a16="http://schemas.microsoft.com/office/drawing/2014/main" id="{13516B1C-FB32-401F-80CA-48B0CD597210}"/>
+              </a:ext>
+            </a:extLst>
+          </p:cNvPr>
+          <p:cNvSpPr txBox="1"/>
+          <p:nvPr/>
+        </p:nvSpPr>
+        <p:spPr>
+          <a:xfrm>
+            <a:off x="2305050" y="4493100"/>
+            <a:ext cx="4422056" cy="369332"/>
+          </a:xfrm>
+          <a:prstGeom prst="rect">
+            <a:avLst/>
+          </a:prstGeom>
+          <a:noFill/>
+        </p:spPr>
+        <p:txBody>
+          <a:bodyPr wrap="square" rtlCol="0">
+            <a:spAutoFit/>
+          </a:bodyPr>
+          <a:lstStyle/>
+          <a:p>
+            <a:r>
+              <a:rPr lang="fr-FR" u="sng" dirty="0"/>
+              <a:t>Méthode </a:t>
+            </a:r>
+            <a:r>
+              <a:rPr lang="fr-FR" u="sng" dirty="0" err="1"/>
+              <a:t>Where</a:t>
+            </a:r>
+            <a:r>
+              <a:rPr lang="fr-FR" u="sng" dirty="0"/>
+              <a:t> à refaire:</a:t>
+            </a:r>
+          </a:p>
+        </p:txBody>
+      </p:sp>
       <p:pic>
         <p:nvPicPr>
-          <p:cNvPr id="10" name="Image 9">
-            <a:extLst>
-              <a:ext uri="{FF2B5EF4-FFF2-40B4-BE49-F238E27FC236}">
-                <a16:creationId xmlns:a16="http://schemas.microsoft.com/office/drawing/2014/main" id="{B99D7111-317E-4EEC-8A18-1C5C6A0F1F1C}"/>
+          <p:cNvPr id="6" name="Image 5">
+            <a:extLst>
+              <a:ext uri="{FF2B5EF4-FFF2-40B4-BE49-F238E27FC236}">
+                <a16:creationId xmlns:a16="http://schemas.microsoft.com/office/drawing/2014/main" id="{73C364F8-C980-44F0-998E-8BD3D749CC90}"/>
               </a:ext>
             </a:extLst>
           </p:cNvPr>
@@ -6205,57 +6750,14 @@
         </p:blipFill>
         <p:spPr>
           <a:xfrm>
-            <a:off x="2305050" y="4857966"/>
-            <a:ext cx="7277100" cy="1771650"/>
+            <a:off x="1500187" y="4862432"/>
+            <a:ext cx="7286625" cy="1628775"/>
           </a:xfrm>
           <a:prstGeom prst="rect">
             <a:avLst/>
           </a:prstGeom>
         </p:spPr>
       </p:pic>
-      <p:sp>
-        <p:nvSpPr>
-          <p:cNvPr id="11" name="ZoneTexte 10">
-            <a:extLst>
-              <a:ext uri="{FF2B5EF4-FFF2-40B4-BE49-F238E27FC236}">
-                <a16:creationId xmlns:a16="http://schemas.microsoft.com/office/drawing/2014/main" id="{13516B1C-FB32-401F-80CA-48B0CD597210}"/>
-              </a:ext>
-            </a:extLst>
-          </p:cNvPr>
-          <p:cNvSpPr txBox="1"/>
-          <p:nvPr/>
-        </p:nvSpPr>
-        <p:spPr>
-          <a:xfrm>
-            <a:off x="2305050" y="4493100"/>
-            <a:ext cx="4422056" cy="369332"/>
-          </a:xfrm>
-          <a:prstGeom prst="rect">
-            <a:avLst/>
-          </a:prstGeom>
-          <a:noFill/>
-        </p:spPr>
-        <p:txBody>
-          <a:bodyPr wrap="square" rtlCol="0">
-            <a:spAutoFit/>
-          </a:bodyPr>
-          <a:lstStyle/>
-          <a:p>
-            <a:r>
-              <a:rPr lang="fr-FR" u="sng" dirty="0"/>
-              <a:t>Méthode </a:t>
-            </a:r>
-            <a:r>
-              <a:rPr lang="fr-FR" u="sng" dirty="0" err="1"/>
-              <a:t>Where</a:t>
-            </a:r>
-            <a:r>
-              <a:rPr lang="fr-FR" u="sng" dirty="0"/>
-              <a:t> à refaire:</a:t>
-            </a:r>
-          </a:p>
-        </p:txBody>
-      </p:sp>
     </p:spTree>
     <p:extLst>
       <p:ext uri="{BB962C8B-B14F-4D97-AF65-F5344CB8AC3E}">
